--- a/AI_Project_Nhom3.pptx
+++ b/AI_Project_Nhom3.pptx
@@ -10951,6 +10951,42 @@
           <a:chExt cx="0" cy="0"/>
         </a:xfrm>
       </p:grpSpPr>
+      <p:pic>
+        <p:nvPicPr>
+          <p:cNvPr id="10" name="Picture 9" descr="Circle&#10;&#10;Description automatically generated with low confidence">
+            <a:extLst>
+              <a:ext uri="{FF2B5EF4-FFF2-40B4-BE49-F238E27FC236}">
+                <a16:creationId xmlns:a16="http://schemas.microsoft.com/office/drawing/2014/main" id="{73B9D9F4-5674-F2EC-46AF-6B99FA3137DF}"/>
+              </a:ext>
+            </a:extLst>
+          </p:cNvPr>
+          <p:cNvPicPr>
+            <a:picLocks noChangeAspect="1"/>
+          </p:cNvPicPr>
+          <p:nvPr/>
+        </p:nvPicPr>
+        <p:blipFill>
+          <a:blip r:embed="rId3">
+            <a:extLst>
+              <a:ext uri="{28A0092B-C50C-407E-A947-70E740481C1C}">
+                <a14:useLocalDpi xmlns:a14="http://schemas.microsoft.com/office/drawing/2010/main" val="0"/>
+              </a:ext>
+            </a:extLst>
+          </a:blip>
+          <a:stretch>
+            <a:fillRect/>
+          </a:stretch>
+        </p:blipFill>
+        <p:spPr>
+          <a:xfrm>
+            <a:off x="0" y="2711967"/>
+            <a:ext cx="3686482" cy="3686482"/>
+          </a:xfrm>
+          <a:prstGeom prst="rect">
+            <a:avLst/>
+          </a:prstGeom>
+        </p:spPr>
+      </p:pic>
       <p:sp>
         <p:nvSpPr>
           <p:cNvPr id="2" name="Slide Number Placeholder 1">
@@ -11028,7 +11064,7 @@
         <p:spPr>
           <a:xfrm>
             <a:off x="468630" y="875254"/>
-            <a:ext cx="8241030" cy="4073728"/>
+            <a:ext cx="8241030" cy="4590866"/>
           </a:xfrm>
           <a:prstGeom prst="rect">
             <a:avLst/>
@@ -11213,42 +11249,43 @@
               <a:buNone/>
             </a:pPr>
             <a:r>
-              <a:rPr lang="en-US" sz="1800" dirty="0" err="1">
+              <a:rPr lang="en-US" sz="1800">
                 <a:ea typeface="Tahoma" panose="020B0604030504040204" pitchFamily="34" charset="0"/>
                 <a:cs typeface="Tahoma" panose="020B0604030504040204" pitchFamily="34" charset="0"/>
               </a:rPr>
-              <a:t>Số</a:t>
-            </a:r>
-            <a:r>
-              <a:rPr lang="en-US" sz="1800" dirty="0">
+              <a:t>Tìm kiếm theo chiều rộng (BFS) là thuật toán tìm kiếm không dựa trên kinh nghiệm trong đồ thị. </a:t>
+            </a:r>
+          </a:p>
+          <a:p>
+            <a:pPr marL="0" indent="0">
+              <a:lnSpc>
+                <a:spcPct val="120000"/>
+              </a:lnSpc>
+              <a:spcBef>
+                <a:spcPts val="1200"/>
+              </a:spcBef>
+              <a:buNone/>
+            </a:pPr>
+            <a:r>
+              <a:rPr lang="vi-VN" sz="1800">
                 <a:ea typeface="Tahoma" panose="020B0604030504040204" pitchFamily="34" charset="0"/>
                 <a:cs typeface="Tahoma" panose="020B0604030504040204" pitchFamily="34" charset="0"/>
               </a:rPr>
-              <a:t> </a:t>
-            </a:r>
-            <a:r>
-              <a:rPr lang="en-US" sz="1800" dirty="0" err="1">
-                <a:ea typeface="Tahoma" panose="020B0604030504040204" pitchFamily="34" charset="0"/>
-                <a:cs typeface="Tahoma" panose="020B0604030504040204" pitchFamily="34" charset="0"/>
-              </a:rPr>
-              <a:t>lượng</a:t>
-            </a:r>
-            <a:r>
-              <a:rPr lang="en-US" sz="1800" dirty="0">
-                <a:ea typeface="Tahoma" panose="020B0604030504040204" pitchFamily="34" charset="0"/>
-                <a:cs typeface="Tahoma" panose="020B0604030504040204" pitchFamily="34" charset="0"/>
-              </a:rPr>
-              <a:t> thiết bị IoT (Internet vạn vật) có thể tăng gấp đôi trong 5 năm từ 2021 đến 2025 [1].</a:t>
-            </a:r>
+              <a:t>Với bài toán N-puzzle, thuật toán đảm bảo cả chính hoàn chỉnh và tính tối ưu.</a:t>
+            </a:r>
+            <a:endParaRPr lang="en-US" sz="1800" dirty="0">
+              <a:ea typeface="Tahoma" panose="020B0604030504040204" pitchFamily="34" charset="0"/>
+              <a:cs typeface="Tahoma" panose="020B0604030504040204" pitchFamily="34" charset="0"/>
+            </a:endParaRPr>
           </a:p>
         </p:txBody>
       </p:sp>
       <p:sp>
         <p:nvSpPr>
-          <p:cNvPr id="11" name="TextBox 10">
+          <p:cNvPr id="12" name="TextBox 11">
             <a:extLst>
               <a:ext uri="{FF2B5EF4-FFF2-40B4-BE49-F238E27FC236}">
-                <a16:creationId xmlns:a16="http://schemas.microsoft.com/office/drawing/2014/main" id="{01E47D16-A105-88A0-7F76-ACB5E8594F9A}"/>
+                <a16:creationId xmlns:a16="http://schemas.microsoft.com/office/drawing/2014/main" id="{78F37580-C390-CADA-C93A-44DE92A25B4F}"/>
               </a:ext>
             </a:extLst>
           </p:cNvPr>
@@ -11257,8 +11294,8 @@
         </p:nvSpPr>
         <p:spPr>
           <a:xfrm>
-            <a:off x="235077" y="5702343"/>
-            <a:ext cx="8763000" cy="276999"/>
+            <a:off x="3686482" y="2261715"/>
+            <a:ext cx="5407742" cy="4310411"/>
           </a:xfrm>
           <a:prstGeom prst="rect">
             <a:avLst/>
@@ -11271,10 +11308,649 @@
           </a:bodyPr>
           <a:lstStyle/>
           <a:p>
-            <a:r>
-              <a:rPr lang="en-US" sz="1200" dirty="0"/>
-              <a:t>[1] https://iot-analytics.com/number-connected-iot-devices</a:t>
-            </a:r>
+            <a:pPr marL="0" marR="0" indent="0">
+              <a:lnSpc>
+                <a:spcPct val="107000"/>
+              </a:lnSpc>
+              <a:spcBef>
+                <a:spcPts val="0"/>
+              </a:spcBef>
+              <a:spcAft>
+                <a:spcPts val="600"/>
+              </a:spcAft>
+            </a:pPr>
+            <a:r>
+              <a:rPr lang="en-US" sz="1800" b="1">
+                <a:solidFill>
+                  <a:srgbClr val="002060"/>
+                </a:solidFill>
+                <a:effectLst/>
+                <a:latin typeface="Calibri" panose="020F0502020204030204" pitchFamily="34" charset="0"/>
+                <a:ea typeface="Calibri" panose="020F0502020204030204" pitchFamily="34" charset="0"/>
+                <a:cs typeface="Times New Roman" panose="02020603050405020304" pitchFamily="18" charset="0"/>
+              </a:rPr>
+              <a:t>BFS </a:t>
+            </a:r>
+            <a:r>
+              <a:rPr lang="en-US" sz="1800">
+                <a:solidFill>
+                  <a:srgbClr val="002060"/>
+                </a:solidFill>
+                <a:effectLst/>
+                <a:latin typeface="Calibri" panose="020F0502020204030204" pitchFamily="34" charset="0"/>
+                <a:ea typeface="Calibri" panose="020F0502020204030204" pitchFamily="34" charset="0"/>
+                <a:cs typeface="Times New Roman" panose="02020603050405020304" pitchFamily="18" charset="0"/>
+              </a:rPr>
+              <a:t>(N, A, n</a:t>
+            </a:r>
+            <a:r>
+              <a:rPr lang="en-US" sz="1800" baseline="-25000">
+                <a:solidFill>
+                  <a:srgbClr val="002060"/>
+                </a:solidFill>
+                <a:effectLst/>
+                <a:latin typeface="Calibri" panose="020F0502020204030204" pitchFamily="34" charset="0"/>
+                <a:ea typeface="Calibri" panose="020F0502020204030204" pitchFamily="34" charset="0"/>
+                <a:cs typeface="Times New Roman" panose="02020603050405020304" pitchFamily="18" charset="0"/>
+              </a:rPr>
+              <a:t>0</a:t>
+            </a:r>
+            <a:r>
+              <a:rPr lang="en-US" sz="1800">
+                <a:solidFill>
+                  <a:srgbClr val="002060"/>
+                </a:solidFill>
+                <a:effectLst/>
+                <a:latin typeface="ArialMT"/>
+                <a:ea typeface="Calibri" panose="020F0502020204030204" pitchFamily="34" charset="0"/>
+                <a:cs typeface="Times New Roman" panose="02020603050405020304" pitchFamily="18" charset="0"/>
+              </a:rPr>
+              <a:t>, Goal):</a:t>
+            </a:r>
+            <a:br>
+              <a:rPr lang="en-US" sz="1800">
+                <a:solidFill>
+                  <a:srgbClr val="002060"/>
+                </a:solidFill>
+                <a:effectLst/>
+                <a:latin typeface="ArialMT"/>
+                <a:ea typeface="Calibri" panose="020F0502020204030204" pitchFamily="34" charset="0"/>
+                <a:cs typeface="Times New Roman" panose="02020603050405020304" pitchFamily="18" charset="0"/>
+              </a:rPr>
+            </a:br>
+            <a:r>
+              <a:rPr lang="en-US" sz="1800">
+                <a:solidFill>
+                  <a:srgbClr val="002060"/>
+                </a:solidFill>
+                <a:effectLst/>
+                <a:latin typeface="ArialMT"/>
+                <a:ea typeface="Calibri" panose="020F0502020204030204" pitchFamily="34" charset="0"/>
+                <a:cs typeface="Times New Roman" panose="02020603050405020304" pitchFamily="18" charset="0"/>
+              </a:rPr>
+              <a:t>     BFSQueue </a:t>
+            </a:r>
+            <a:r>
+              <a:rPr lang="en-US" sz="1800">
+                <a:solidFill>
+                  <a:srgbClr val="002060"/>
+                </a:solidFill>
+                <a:effectLst/>
+                <a:latin typeface="SymbolMT"/>
+                <a:ea typeface="Calibri" panose="020F0502020204030204" pitchFamily="34" charset="0"/>
+                <a:cs typeface="Times New Roman" panose="02020603050405020304" pitchFamily="18" charset="0"/>
+                <a:sym typeface="Symbol" panose="05050102010706020507" pitchFamily="18" charset="2"/>
+              </a:rPr>
+              <a:t></a:t>
+            </a:r>
+            <a:r>
+              <a:rPr lang="en-US" sz="1800">
+                <a:solidFill>
+                  <a:srgbClr val="002060"/>
+                </a:solidFill>
+                <a:effectLst/>
+                <a:latin typeface="SymbolMT"/>
+                <a:ea typeface="Calibri" panose="020F0502020204030204" pitchFamily="34" charset="0"/>
+                <a:cs typeface="Times New Roman" panose="02020603050405020304" pitchFamily="18" charset="0"/>
+              </a:rPr>
+              <a:t> n</a:t>
+            </a:r>
+            <a:r>
+              <a:rPr lang="en-US" sz="1800" baseline="-25000">
+                <a:solidFill>
+                  <a:srgbClr val="002060"/>
+                </a:solidFill>
+                <a:effectLst/>
+                <a:latin typeface="SymbolMT"/>
+                <a:ea typeface="Calibri" panose="020F0502020204030204" pitchFamily="34" charset="0"/>
+                <a:cs typeface="Times New Roman" panose="02020603050405020304" pitchFamily="18" charset="0"/>
+              </a:rPr>
+              <a:t>0</a:t>
+            </a:r>
+            <a:br>
+              <a:rPr lang="en-US" sz="1800">
+                <a:solidFill>
+                  <a:srgbClr val="002060"/>
+                </a:solidFill>
+                <a:effectLst/>
+                <a:latin typeface="SymbolMT"/>
+                <a:ea typeface="Calibri" panose="020F0502020204030204" pitchFamily="34" charset="0"/>
+                <a:cs typeface="Times New Roman" panose="02020603050405020304" pitchFamily="18" charset="0"/>
+              </a:rPr>
+            </a:br>
+            <a:r>
+              <a:rPr lang="en-US" sz="1800">
+                <a:solidFill>
+                  <a:srgbClr val="002060"/>
+                </a:solidFill>
+                <a:effectLst/>
+                <a:latin typeface="SymbolMT"/>
+                <a:ea typeface="Calibri" panose="020F0502020204030204" pitchFamily="34" charset="0"/>
+                <a:cs typeface="Times New Roman" panose="02020603050405020304" pitchFamily="18" charset="0"/>
+              </a:rPr>
+              <a:t>      visited </a:t>
+            </a:r>
+            <a:r>
+              <a:rPr lang="en-US" sz="1800">
+                <a:solidFill>
+                  <a:srgbClr val="002060"/>
+                </a:solidFill>
+                <a:effectLst/>
+                <a:latin typeface="SymbolMT"/>
+                <a:ea typeface="Calibri" panose="020F0502020204030204" pitchFamily="34" charset="0"/>
+                <a:cs typeface="Times New Roman" panose="02020603050405020304" pitchFamily="18" charset="0"/>
+                <a:sym typeface="Symbol" panose="05050102010706020507" pitchFamily="18" charset="2"/>
+              </a:rPr>
+              <a:t></a:t>
+            </a:r>
+            <a:r>
+              <a:rPr lang="en-US" sz="1800">
+                <a:solidFill>
+                  <a:srgbClr val="002060"/>
+                </a:solidFill>
+                <a:effectLst/>
+                <a:latin typeface="SymbolMT"/>
+                <a:ea typeface="Calibri" panose="020F0502020204030204" pitchFamily="34" charset="0"/>
+                <a:cs typeface="Times New Roman" panose="02020603050405020304" pitchFamily="18" charset="0"/>
+              </a:rPr>
+              <a:t> </a:t>
+            </a:r>
+            <a:r>
+              <a:rPr lang="en-US" sz="1800">
+                <a:solidFill>
+                  <a:srgbClr val="002060"/>
+                </a:solidFill>
+                <a:effectLst/>
+                <a:latin typeface="SymbolMT"/>
+                <a:ea typeface="Calibri" panose="020F0502020204030204" pitchFamily="34" charset="0"/>
+                <a:cs typeface="Times New Roman" panose="02020603050405020304" pitchFamily="18" charset="0"/>
+                <a:sym typeface="Symbol" panose="05050102010706020507" pitchFamily="18" charset="2"/>
+              </a:rPr>
+              <a:t></a:t>
+            </a:r>
+            <a:br>
+              <a:rPr lang="en-US" sz="1800">
+                <a:solidFill>
+                  <a:srgbClr val="002060"/>
+                </a:solidFill>
+                <a:effectLst/>
+                <a:latin typeface="SymbolMT"/>
+                <a:ea typeface="Calibri" panose="020F0502020204030204" pitchFamily="34" charset="0"/>
+                <a:cs typeface="Times New Roman" panose="02020603050405020304" pitchFamily="18" charset="0"/>
+              </a:rPr>
+            </a:br>
+            <a:r>
+              <a:rPr lang="en-US" sz="1800">
+                <a:solidFill>
+                  <a:srgbClr val="002060"/>
+                </a:solidFill>
+                <a:effectLst/>
+                <a:latin typeface="SymbolMT"/>
+                <a:ea typeface="Calibri" panose="020F0502020204030204" pitchFamily="34" charset="0"/>
+                <a:cs typeface="Times New Roman" panose="02020603050405020304" pitchFamily="18" charset="0"/>
+              </a:rPr>
+              <a:t>      while (</a:t>
+            </a:r>
+            <a:r>
+              <a:rPr lang="en-US" sz="1800">
+                <a:solidFill>
+                  <a:srgbClr val="002060"/>
+                </a:solidFill>
+                <a:effectLst/>
+                <a:latin typeface="ArialMT"/>
+                <a:ea typeface="Calibri" panose="020F0502020204030204" pitchFamily="34" charset="0"/>
+                <a:cs typeface="Times New Roman" panose="02020603050405020304" pitchFamily="18" charset="0"/>
+              </a:rPr>
+              <a:t>BFSQueue</a:t>
+            </a:r>
+            <a:r>
+              <a:rPr lang="en-US" sz="1800">
+                <a:solidFill>
+                  <a:srgbClr val="002060"/>
+                </a:solidFill>
+                <a:effectLst/>
+                <a:latin typeface="SymbolMT"/>
+                <a:ea typeface="Calibri" panose="020F0502020204030204" pitchFamily="34" charset="0"/>
+                <a:cs typeface="Times New Roman" panose="02020603050405020304" pitchFamily="18" charset="0"/>
+              </a:rPr>
+              <a:t> </a:t>
+            </a:r>
+            <a:r>
+              <a:rPr lang="en-US" sz="1800">
+                <a:solidFill>
+                  <a:srgbClr val="002060"/>
+                </a:solidFill>
+                <a:effectLst/>
+                <a:latin typeface="SymbolMT"/>
+                <a:ea typeface="Calibri" panose="020F0502020204030204" pitchFamily="34" charset="0"/>
+                <a:cs typeface="Times New Roman" panose="02020603050405020304" pitchFamily="18" charset="0"/>
+                <a:sym typeface="Symbol" panose="05050102010706020507" pitchFamily="18" charset="2"/>
+              </a:rPr>
+              <a:t></a:t>
+            </a:r>
+            <a:r>
+              <a:rPr lang="en-US" sz="1800">
+                <a:solidFill>
+                  <a:srgbClr val="002060"/>
+                </a:solidFill>
+                <a:effectLst/>
+                <a:latin typeface="SymbolMT"/>
+                <a:ea typeface="Calibri" panose="020F0502020204030204" pitchFamily="34" charset="0"/>
+                <a:cs typeface="Times New Roman" panose="02020603050405020304" pitchFamily="18" charset="0"/>
+              </a:rPr>
+              <a:t> </a:t>
+            </a:r>
+            <a:r>
+              <a:rPr lang="en-US" sz="1800">
+                <a:solidFill>
+                  <a:srgbClr val="002060"/>
+                </a:solidFill>
+                <a:effectLst/>
+                <a:latin typeface="SymbolMT"/>
+                <a:ea typeface="Calibri" panose="020F0502020204030204" pitchFamily="34" charset="0"/>
+                <a:cs typeface="Times New Roman" panose="02020603050405020304" pitchFamily="18" charset="0"/>
+                <a:sym typeface="Symbol" panose="05050102010706020507" pitchFamily="18" charset="2"/>
+              </a:rPr>
+              <a:t></a:t>
+            </a:r>
+            <a:r>
+              <a:rPr lang="en-US" sz="1800">
+                <a:solidFill>
+                  <a:srgbClr val="002060"/>
+                </a:solidFill>
+                <a:effectLst/>
+                <a:latin typeface="SymbolMT"/>
+                <a:ea typeface="Calibri" panose="020F0502020204030204" pitchFamily="34" charset="0"/>
+                <a:cs typeface="Times New Roman" panose="02020603050405020304" pitchFamily="18" charset="0"/>
+              </a:rPr>
+              <a:t>) :</a:t>
+            </a:r>
+            <a:endParaRPr lang="en-US" sz="1800">
+              <a:effectLst/>
+              <a:latin typeface="Calibri" panose="020F0502020204030204" pitchFamily="34" charset="0"/>
+              <a:ea typeface="Calibri" panose="020F0502020204030204" pitchFamily="34" charset="0"/>
+              <a:cs typeface="Times New Roman" panose="02020603050405020304" pitchFamily="18" charset="0"/>
+            </a:endParaRPr>
+          </a:p>
+          <a:p>
+            <a:pPr marL="0" marR="0" indent="0">
+              <a:lnSpc>
+                <a:spcPct val="107000"/>
+              </a:lnSpc>
+              <a:spcBef>
+                <a:spcPts val="0"/>
+              </a:spcBef>
+              <a:spcAft>
+                <a:spcPts val="600"/>
+              </a:spcAft>
+            </a:pPr>
+            <a:r>
+              <a:rPr lang="en-US" sz="1800">
+                <a:solidFill>
+                  <a:srgbClr val="002060"/>
+                </a:solidFill>
+                <a:effectLst/>
+                <a:latin typeface="SymbolMT"/>
+                <a:ea typeface="Calibri" panose="020F0502020204030204" pitchFamily="34" charset="0"/>
+                <a:cs typeface="Times New Roman" panose="02020603050405020304" pitchFamily="18" charset="0"/>
+              </a:rPr>
+              <a:t>         n </a:t>
+            </a:r>
+            <a:r>
+              <a:rPr lang="en-US" sz="1800">
+                <a:solidFill>
+                  <a:srgbClr val="002060"/>
+                </a:solidFill>
+                <a:effectLst/>
+                <a:latin typeface="SymbolMT"/>
+                <a:ea typeface="Calibri" panose="020F0502020204030204" pitchFamily="34" charset="0"/>
+                <a:cs typeface="Times New Roman" panose="02020603050405020304" pitchFamily="18" charset="0"/>
+                <a:sym typeface="Symbol" panose="05050102010706020507" pitchFamily="18" charset="2"/>
+              </a:rPr>
+              <a:t></a:t>
+            </a:r>
+            <a:r>
+              <a:rPr lang="en-US" sz="1800">
+                <a:solidFill>
+                  <a:srgbClr val="002060"/>
+                </a:solidFill>
+                <a:effectLst/>
+                <a:latin typeface="SymbolMT"/>
+                <a:ea typeface="Calibri" panose="020F0502020204030204" pitchFamily="34" charset="0"/>
+                <a:cs typeface="Times New Roman" panose="02020603050405020304" pitchFamily="18" charset="0"/>
+              </a:rPr>
+              <a:t> GET_FIRST(</a:t>
+            </a:r>
+            <a:r>
+              <a:rPr lang="en-US" sz="1800">
+                <a:solidFill>
+                  <a:srgbClr val="002060"/>
+                </a:solidFill>
+                <a:effectLst/>
+                <a:latin typeface="ArialMT"/>
+                <a:ea typeface="Calibri" panose="020F0502020204030204" pitchFamily="34" charset="0"/>
+                <a:cs typeface="Times New Roman" panose="02020603050405020304" pitchFamily="18" charset="0"/>
+              </a:rPr>
+              <a:t>BFSQueue</a:t>
+            </a:r>
+            <a:r>
+              <a:rPr lang="en-US" sz="1800">
+                <a:solidFill>
+                  <a:srgbClr val="002060"/>
+                </a:solidFill>
+                <a:effectLst/>
+                <a:latin typeface="SymbolMT"/>
+                <a:ea typeface="Calibri" panose="020F0502020204030204" pitchFamily="34" charset="0"/>
+                <a:cs typeface="Times New Roman" panose="02020603050405020304" pitchFamily="18" charset="0"/>
+              </a:rPr>
+              <a:t>) </a:t>
+            </a:r>
+            <a:br>
+              <a:rPr lang="en-US" sz="1800">
+                <a:solidFill>
+                  <a:srgbClr val="002060"/>
+                </a:solidFill>
+                <a:effectLst/>
+                <a:latin typeface="ArialMT"/>
+                <a:ea typeface="Calibri" panose="020F0502020204030204" pitchFamily="34" charset="0"/>
+                <a:cs typeface="Times New Roman" panose="02020603050405020304" pitchFamily="18" charset="0"/>
+              </a:rPr>
+            </a:br>
+            <a:r>
+              <a:rPr lang="en-US" sz="1800">
+                <a:solidFill>
+                  <a:srgbClr val="002060"/>
+                </a:solidFill>
+                <a:effectLst/>
+                <a:latin typeface="ArialMT"/>
+                <a:ea typeface="Calibri" panose="020F0502020204030204" pitchFamily="34" charset="0"/>
+                <a:cs typeface="Times New Roman" panose="02020603050405020304" pitchFamily="18" charset="0"/>
+              </a:rPr>
+              <a:t>       visited </a:t>
+            </a:r>
+            <a:r>
+              <a:rPr lang="en-US" sz="1800">
+                <a:solidFill>
+                  <a:srgbClr val="002060"/>
+                </a:solidFill>
+                <a:effectLst/>
+                <a:latin typeface="SymbolMT"/>
+                <a:ea typeface="Calibri" panose="020F0502020204030204" pitchFamily="34" charset="0"/>
+                <a:cs typeface="Times New Roman" panose="02020603050405020304" pitchFamily="18" charset="0"/>
+                <a:sym typeface="Symbol" panose="05050102010706020507" pitchFamily="18" charset="2"/>
+              </a:rPr>
+              <a:t></a:t>
+            </a:r>
+            <a:r>
+              <a:rPr lang="en-US" sz="1800">
+                <a:solidFill>
+                  <a:srgbClr val="002060"/>
+                </a:solidFill>
+                <a:effectLst/>
+                <a:latin typeface="SymbolMT"/>
+                <a:ea typeface="Calibri" panose="020F0502020204030204" pitchFamily="34" charset="0"/>
+                <a:cs typeface="Times New Roman" panose="02020603050405020304" pitchFamily="18" charset="0"/>
+              </a:rPr>
+              <a:t> visited </a:t>
+            </a:r>
+            <a:r>
+              <a:rPr lang="en-US" sz="1800">
+                <a:solidFill>
+                  <a:srgbClr val="002060"/>
+                </a:solidFill>
+                <a:effectLst/>
+                <a:latin typeface="SymbolMT"/>
+                <a:ea typeface="Calibri" panose="020F0502020204030204" pitchFamily="34" charset="0"/>
+                <a:cs typeface="Times New Roman" panose="02020603050405020304" pitchFamily="18" charset="0"/>
+                <a:sym typeface="Symbol" panose="05050102010706020507" pitchFamily="18" charset="2"/>
+              </a:rPr>
+              <a:t></a:t>
+            </a:r>
+            <a:r>
+              <a:rPr lang="en-US" sz="1800">
+                <a:solidFill>
+                  <a:srgbClr val="002060"/>
+                </a:solidFill>
+                <a:effectLst/>
+                <a:latin typeface="SymbolMT"/>
+                <a:ea typeface="Calibri" panose="020F0502020204030204" pitchFamily="34" charset="0"/>
+                <a:cs typeface="Times New Roman" panose="02020603050405020304" pitchFamily="18" charset="0"/>
+              </a:rPr>
+              <a:t> n</a:t>
+            </a:r>
+            <a:br>
+              <a:rPr lang="en-US" sz="1800">
+                <a:solidFill>
+                  <a:srgbClr val="002060"/>
+                </a:solidFill>
+                <a:effectLst/>
+                <a:latin typeface="SymbolMT"/>
+                <a:ea typeface="Calibri" panose="020F0502020204030204" pitchFamily="34" charset="0"/>
+                <a:cs typeface="Times New Roman" panose="02020603050405020304" pitchFamily="18" charset="0"/>
+              </a:rPr>
+            </a:br>
+            <a:r>
+              <a:rPr lang="en-US" sz="1800">
+                <a:solidFill>
+                  <a:srgbClr val="002060"/>
+                </a:solidFill>
+                <a:effectLst/>
+                <a:latin typeface="SymbolMT"/>
+                <a:ea typeface="Calibri" panose="020F0502020204030204" pitchFamily="34" charset="0"/>
+                <a:cs typeface="Times New Roman" panose="02020603050405020304" pitchFamily="18" charset="0"/>
+              </a:rPr>
+              <a:t>         if (n </a:t>
+            </a:r>
+            <a:r>
+              <a:rPr lang="en-US" sz="1800">
+                <a:solidFill>
+                  <a:srgbClr val="002060"/>
+                </a:solidFill>
+                <a:effectLst/>
+                <a:latin typeface="SymbolMT"/>
+                <a:ea typeface="Calibri" panose="020F0502020204030204" pitchFamily="34" charset="0"/>
+                <a:cs typeface="Times New Roman" panose="02020603050405020304" pitchFamily="18" charset="0"/>
+                <a:sym typeface="Symbol" panose="05050102010706020507" pitchFamily="18" charset="2"/>
+              </a:rPr>
+              <a:t></a:t>
+            </a:r>
+            <a:r>
+              <a:rPr lang="en-US" sz="1800">
+                <a:solidFill>
+                  <a:srgbClr val="002060"/>
+                </a:solidFill>
+                <a:effectLst/>
+                <a:latin typeface="SymbolMT"/>
+                <a:ea typeface="Calibri" panose="020F0502020204030204" pitchFamily="34" charset="0"/>
+                <a:cs typeface="Times New Roman" panose="02020603050405020304" pitchFamily="18" charset="0"/>
+              </a:rPr>
+              <a:t> </a:t>
+            </a:r>
+            <a:r>
+              <a:rPr lang="en-US" sz="1800">
+                <a:solidFill>
+                  <a:srgbClr val="002060"/>
+                </a:solidFill>
+                <a:effectLst/>
+                <a:latin typeface="ArialMT"/>
+                <a:ea typeface="Calibri" panose="020F0502020204030204" pitchFamily="34" charset="0"/>
+                <a:cs typeface="Times New Roman" panose="02020603050405020304" pitchFamily="18" charset="0"/>
+              </a:rPr>
+              <a:t>Goal): </a:t>
+            </a:r>
+          </a:p>
+          <a:p>
+            <a:pPr marL="0" marR="0" indent="0">
+              <a:lnSpc>
+                <a:spcPct val="107000"/>
+              </a:lnSpc>
+              <a:spcBef>
+                <a:spcPts val="0"/>
+              </a:spcBef>
+              <a:spcAft>
+                <a:spcPts val="600"/>
+              </a:spcAft>
+            </a:pPr>
+            <a:r>
+              <a:rPr lang="en-US">
+                <a:solidFill>
+                  <a:srgbClr val="002060"/>
+                </a:solidFill>
+                <a:latin typeface="ArialMT"/>
+                <a:ea typeface="Calibri" panose="020F0502020204030204" pitchFamily="34" charset="0"/>
+                <a:cs typeface="Times New Roman" panose="02020603050405020304" pitchFamily="18" charset="0"/>
+              </a:rPr>
+              <a:t>             </a:t>
+            </a:r>
+            <a:r>
+              <a:rPr lang="en-US" sz="1800">
+                <a:solidFill>
+                  <a:srgbClr val="002060"/>
+                </a:solidFill>
+                <a:effectLst/>
+                <a:latin typeface="ArialMT"/>
+                <a:ea typeface="Calibri" panose="020F0502020204030204" pitchFamily="34" charset="0"/>
+                <a:cs typeface="Times New Roman" panose="02020603050405020304" pitchFamily="18" charset="0"/>
+              </a:rPr>
+              <a:t>return SOLUTION(n)</a:t>
+            </a:r>
+            <a:br>
+              <a:rPr lang="en-US" sz="1800">
+                <a:solidFill>
+                  <a:srgbClr val="002060"/>
+                </a:solidFill>
+                <a:effectLst/>
+                <a:latin typeface="ArialMT"/>
+                <a:ea typeface="Calibri" panose="020F0502020204030204" pitchFamily="34" charset="0"/>
+                <a:cs typeface="Times New Roman" panose="02020603050405020304" pitchFamily="18" charset="0"/>
+              </a:rPr>
+            </a:br>
+            <a:r>
+              <a:rPr lang="en-US" sz="1800">
+                <a:solidFill>
+                  <a:srgbClr val="002060"/>
+                </a:solidFill>
+                <a:effectLst/>
+                <a:latin typeface="ArialMT"/>
+                <a:ea typeface="Calibri" panose="020F0502020204030204" pitchFamily="34" charset="0"/>
+                <a:cs typeface="Times New Roman" panose="02020603050405020304" pitchFamily="18" charset="0"/>
+              </a:rPr>
+              <a:t>       for neighbor in getNeighbor(n):</a:t>
+            </a:r>
+          </a:p>
+          <a:p>
+            <a:pPr marL="0" marR="0" indent="0">
+              <a:lnSpc>
+                <a:spcPct val="107000"/>
+              </a:lnSpc>
+              <a:spcBef>
+                <a:spcPts val="0"/>
+              </a:spcBef>
+              <a:spcAft>
+                <a:spcPts val="600"/>
+              </a:spcAft>
+            </a:pPr>
+            <a:r>
+              <a:rPr lang="en-US">
+                <a:solidFill>
+                  <a:srgbClr val="002060"/>
+                </a:solidFill>
+                <a:latin typeface="ArialMT"/>
+                <a:ea typeface="Calibri" panose="020F0502020204030204" pitchFamily="34" charset="0"/>
+                <a:cs typeface="Times New Roman" panose="02020603050405020304" pitchFamily="18" charset="0"/>
+              </a:rPr>
+              <a:t>             if neighbor not in visited:</a:t>
+            </a:r>
+          </a:p>
+          <a:p>
+            <a:pPr marL="0" marR="0" indent="0">
+              <a:lnSpc>
+                <a:spcPct val="107000"/>
+              </a:lnSpc>
+              <a:spcBef>
+                <a:spcPts val="0"/>
+              </a:spcBef>
+              <a:spcAft>
+                <a:spcPts val="600"/>
+              </a:spcAft>
+            </a:pPr>
+            <a:r>
+              <a:rPr lang="en-US" sz="1800">
+                <a:solidFill>
+                  <a:srgbClr val="002060"/>
+                </a:solidFill>
+                <a:effectLst/>
+                <a:latin typeface="ArialMT"/>
+                <a:ea typeface="Calibri" panose="020F0502020204030204" pitchFamily="34" charset="0"/>
+                <a:cs typeface="Times New Roman" panose="02020603050405020304" pitchFamily="18" charset="0"/>
+              </a:rPr>
+              <a:t>                 BFSQueue </a:t>
+            </a:r>
+            <a:r>
+              <a:rPr lang="en-US" sz="1800">
+                <a:solidFill>
+                  <a:srgbClr val="002060"/>
+                </a:solidFill>
+                <a:effectLst/>
+                <a:latin typeface="SymbolMT"/>
+                <a:ea typeface="Calibri" panose="020F0502020204030204" pitchFamily="34" charset="0"/>
+                <a:cs typeface="Times New Roman" panose="02020603050405020304" pitchFamily="18" charset="0"/>
+                <a:sym typeface="Symbol" panose="05050102010706020507" pitchFamily="18" charset="2"/>
+              </a:rPr>
+              <a:t> neighbor</a:t>
+            </a:r>
+            <a:br>
+              <a:rPr lang="en-US" sz="1800">
+                <a:solidFill>
+                  <a:srgbClr val="002060"/>
+                </a:solidFill>
+                <a:effectLst/>
+                <a:latin typeface="SymbolMT"/>
+                <a:ea typeface="Calibri" panose="020F0502020204030204" pitchFamily="34" charset="0"/>
+                <a:cs typeface="Times New Roman" panose="02020603050405020304" pitchFamily="18" charset="0"/>
+              </a:rPr>
+            </a:br>
+            <a:r>
+              <a:rPr lang="en-US" sz="1800">
+                <a:solidFill>
+                  <a:srgbClr val="002060"/>
+                </a:solidFill>
+                <a:effectLst/>
+                <a:latin typeface="ArialMT"/>
+                <a:ea typeface="Calibri" panose="020F0502020204030204" pitchFamily="34" charset="0"/>
+                <a:cs typeface="Times New Roman" panose="02020603050405020304" pitchFamily="18" charset="0"/>
+              </a:rPr>
+              <a:t>    return (“No solution”)</a:t>
+            </a:r>
+            <a:endParaRPr lang="en-US" sz="1800">
+              <a:effectLst/>
+              <a:latin typeface="Calibri" panose="020F0502020204030204" pitchFamily="34" charset="0"/>
+              <a:ea typeface="Calibri" panose="020F0502020204030204" pitchFamily="34" charset="0"/>
+              <a:cs typeface="Times New Roman" panose="02020603050405020304" pitchFamily="18" charset="0"/>
+            </a:endParaRPr>
+          </a:p>
+          <a:p>
+            <a:endParaRPr lang="en-US"/>
           </a:p>
         </p:txBody>
       </p:sp>
@@ -11384,8 +12060,8 @@
         </p:nvSpPr>
         <p:spPr>
           <a:xfrm>
-            <a:off x="468630" y="875254"/>
-            <a:ext cx="8241030" cy="4073728"/>
+            <a:off x="451485" y="832898"/>
+            <a:ext cx="2901315" cy="3037984"/>
           </a:xfrm>
           <a:prstGeom prst="rect">
             <a:avLst/>
@@ -11570,42 +12246,113 @@
               <a:buNone/>
             </a:pPr>
             <a:r>
-              <a:rPr lang="en-US" sz="1800" dirty="0" err="1">
+              <a:rPr lang="vi-VN" sz="1800">
                 <a:ea typeface="Tahoma" panose="020B0604030504040204" pitchFamily="34" charset="0"/>
                 <a:cs typeface="Tahoma" panose="020B0604030504040204" pitchFamily="34" charset="0"/>
               </a:rPr>
-              <a:t>Số</a:t>
-            </a:r>
-            <a:r>
-              <a:rPr lang="en-US" sz="1800" dirty="0">
+              <a:t>Thuật toán tìm kiếm sâu dần được phát triển từ thuật toán tìm kiếm theo chiều sâu (BFS) và tìm kiếm giới hạn độ sâu (DLS).</a:t>
+            </a:r>
+            <a:endParaRPr lang="en-US" sz="1800">
+              <a:ea typeface="Tahoma" panose="020B0604030504040204" pitchFamily="34" charset="0"/>
+              <a:cs typeface="Tahoma" panose="020B0604030504040204" pitchFamily="34" charset="0"/>
+            </a:endParaRPr>
+          </a:p>
+          <a:p>
+            <a:pPr marL="0" indent="0">
+              <a:lnSpc>
+                <a:spcPct val="120000"/>
+              </a:lnSpc>
+              <a:spcBef>
+                <a:spcPts val="1200"/>
+              </a:spcBef>
+              <a:buNone/>
+            </a:pPr>
+            <a:r>
+              <a:rPr lang="en-US" sz="1800">
                 <a:ea typeface="Tahoma" panose="020B0604030504040204" pitchFamily="34" charset="0"/>
                 <a:cs typeface="Tahoma" panose="020B0604030504040204" pitchFamily="34" charset="0"/>
               </a:rPr>
-              <a:t> </a:t>
-            </a:r>
-            <a:r>
-              <a:rPr lang="en-US" sz="1800" dirty="0" err="1">
+              <a:t>T</a:t>
+            </a:r>
+            <a:r>
+              <a:rPr lang="vi-VN" sz="1800">
                 <a:ea typeface="Tahoma" panose="020B0604030504040204" pitchFamily="34" charset="0"/>
                 <a:cs typeface="Tahoma" panose="020B0604030504040204" pitchFamily="34" charset="0"/>
               </a:rPr>
-              <a:t>lượng</a:t>
-            </a:r>
-            <a:r>
-              <a:rPr lang="en-US" sz="1800" dirty="0">
+              <a:t>huật toán toán IDS cho số bước đến được trạng thái mục tiêu sẽ bằng so với thuật toán BFS</a:t>
+            </a:r>
+            <a:endParaRPr lang="en-US" sz="1800">
+              <a:ea typeface="Tahoma" panose="020B0604030504040204" pitchFamily="34" charset="0"/>
+              <a:cs typeface="Tahoma" panose="020B0604030504040204" pitchFamily="34" charset="0"/>
+            </a:endParaRPr>
+          </a:p>
+          <a:p>
+            <a:pPr marL="0" indent="0">
+              <a:lnSpc>
+                <a:spcPct val="120000"/>
+              </a:lnSpc>
+              <a:spcBef>
+                <a:spcPts val="1200"/>
+              </a:spcBef>
+              <a:buNone/>
+            </a:pPr>
+            <a:r>
+              <a:rPr lang="en-US" sz="1800">
                 <a:ea typeface="Tahoma" panose="020B0604030504040204" pitchFamily="34" charset="0"/>
                 <a:cs typeface="Tahoma" panose="020B0604030504040204" pitchFamily="34" charset="0"/>
               </a:rPr>
-              <a:t> thiết bị IoT (Internet vạn vật) có thể tăng gấp đôi trong 5 năm từ 2021 đến 2025 [1].</a:t>
-            </a:r>
+              <a:t>T</a:t>
+            </a:r>
+            <a:r>
+              <a:rPr lang="vi-VN" sz="1800">
+                <a:ea typeface="Tahoma" panose="020B0604030504040204" pitchFamily="34" charset="0"/>
+                <a:cs typeface="Tahoma" panose="020B0604030504040204" pitchFamily="34" charset="0"/>
+              </a:rPr>
+              <a:t>huật toán đảm bảo cả chính hoàn chỉnh và tính tối ưu.</a:t>
+            </a:r>
+            <a:endParaRPr lang="en-US" sz="1800">
+              <a:ea typeface="Tahoma" panose="020B0604030504040204" pitchFamily="34" charset="0"/>
+              <a:cs typeface="Tahoma" panose="020B0604030504040204" pitchFamily="34" charset="0"/>
+            </a:endParaRPr>
+          </a:p>
+          <a:p>
+            <a:pPr marL="0" indent="0">
+              <a:lnSpc>
+                <a:spcPct val="120000"/>
+              </a:lnSpc>
+              <a:spcBef>
+                <a:spcPts val="1200"/>
+              </a:spcBef>
+              <a:buNone/>
+            </a:pPr>
+            <a:endParaRPr lang="en-US" sz="1800">
+              <a:ea typeface="Tahoma" panose="020B0604030504040204" pitchFamily="34" charset="0"/>
+              <a:cs typeface="Tahoma" panose="020B0604030504040204" pitchFamily="34" charset="0"/>
+            </a:endParaRPr>
+          </a:p>
+          <a:p>
+            <a:pPr marL="0" indent="0">
+              <a:lnSpc>
+                <a:spcPct val="120000"/>
+              </a:lnSpc>
+              <a:spcBef>
+                <a:spcPts val="1200"/>
+              </a:spcBef>
+              <a:buNone/>
+            </a:pPr>
+            <a:endParaRPr lang="en-US" sz="1800" dirty="0">
+              <a:ea typeface="Tahoma" panose="020B0604030504040204" pitchFamily="34" charset="0"/>
+              <a:cs typeface="Tahoma" panose="020B0604030504040204" pitchFamily="34" charset="0"/>
+            </a:endParaRPr>
           </a:p>
         </p:txBody>
       </p:sp>
       <p:sp>
         <p:nvSpPr>
-          <p:cNvPr id="11" name="TextBox 10">
+          <p:cNvPr id="7" name="TextBox 6">
             <a:extLst>
               <a:ext uri="{FF2B5EF4-FFF2-40B4-BE49-F238E27FC236}">
-                <a16:creationId xmlns:a16="http://schemas.microsoft.com/office/drawing/2014/main" id="{01E47D16-A105-88A0-7F76-ACB5E8594F9A}"/>
+                <a16:creationId xmlns:a16="http://schemas.microsoft.com/office/drawing/2014/main" id="{A494C5EE-DAD9-8BD4-67AC-C37CC8C515AF}"/>
               </a:ext>
             </a:extLst>
           </p:cNvPr>
@@ -11614,8 +12361,8 @@
         </p:nvSpPr>
         <p:spPr>
           <a:xfrm>
-            <a:off x="235077" y="5702343"/>
-            <a:ext cx="8763000" cy="276999"/>
+            <a:off x="3613355" y="832898"/>
+            <a:ext cx="5311428" cy="5430333"/>
           </a:xfrm>
           <a:prstGeom prst="rect">
             <a:avLst/>
@@ -11623,15 +12370,749 @@
           <a:noFill/>
         </p:spPr>
         <p:txBody>
-          <a:bodyPr wrap="square" rtlCol="0">
+          <a:bodyPr wrap="square">
             <a:spAutoFit/>
           </a:bodyPr>
           <a:lstStyle/>
           <a:p>
-            <a:r>
-              <a:rPr lang="en-US" sz="1200" dirty="0"/>
-              <a:t>[1] https://iot-analytics.com/number-connected-iot-devices</a:t>
-            </a:r>
+            <a:pPr marL="0" marR="0" indent="0">
+              <a:lnSpc>
+                <a:spcPct val="107000"/>
+              </a:lnSpc>
+              <a:spcBef>
+                <a:spcPts val="0"/>
+              </a:spcBef>
+              <a:spcAft>
+                <a:spcPts val="600"/>
+              </a:spcAft>
+            </a:pPr>
+            <a:r>
+              <a:rPr lang="en-US" sz="1800" b="1">
+                <a:solidFill>
+                  <a:srgbClr val="002060"/>
+                </a:solidFill>
+                <a:effectLst/>
+                <a:latin typeface="Calibri" panose="020F0502020204030204" pitchFamily="34" charset="0"/>
+                <a:ea typeface="Calibri" panose="020F0502020204030204" pitchFamily="34" charset="0"/>
+                <a:cs typeface="Times New Roman" panose="02020603050405020304" pitchFamily="18" charset="0"/>
+              </a:rPr>
+              <a:t>IDS </a:t>
+            </a:r>
+            <a:r>
+              <a:rPr lang="en-US" sz="1800">
+                <a:solidFill>
+                  <a:srgbClr val="002060"/>
+                </a:solidFill>
+                <a:effectLst/>
+                <a:latin typeface="Calibri" panose="020F0502020204030204" pitchFamily="34" charset="0"/>
+                <a:ea typeface="Calibri" panose="020F0502020204030204" pitchFamily="34" charset="0"/>
+                <a:cs typeface="Times New Roman" panose="02020603050405020304" pitchFamily="18" charset="0"/>
+              </a:rPr>
+              <a:t>(N, A, n</a:t>
+            </a:r>
+            <a:r>
+              <a:rPr lang="en-US" sz="1800" baseline="-25000">
+                <a:solidFill>
+                  <a:srgbClr val="002060"/>
+                </a:solidFill>
+                <a:effectLst/>
+                <a:latin typeface="Calibri" panose="020F0502020204030204" pitchFamily="34" charset="0"/>
+                <a:ea typeface="Calibri" panose="020F0502020204030204" pitchFamily="34" charset="0"/>
+                <a:cs typeface="Times New Roman" panose="02020603050405020304" pitchFamily="18" charset="0"/>
+              </a:rPr>
+              <a:t>0</a:t>
+            </a:r>
+            <a:r>
+              <a:rPr lang="en-US" sz="1800">
+                <a:solidFill>
+                  <a:srgbClr val="002060"/>
+                </a:solidFill>
+                <a:effectLst/>
+                <a:latin typeface="ArialMT"/>
+                <a:ea typeface="Calibri" panose="020F0502020204030204" pitchFamily="34" charset="0"/>
+                <a:cs typeface="Times New Roman" panose="02020603050405020304" pitchFamily="18" charset="0"/>
+              </a:rPr>
+              <a:t>, Goal):</a:t>
+            </a:r>
+          </a:p>
+          <a:p>
+            <a:pPr marL="0" marR="0" indent="0">
+              <a:lnSpc>
+                <a:spcPct val="107000"/>
+              </a:lnSpc>
+              <a:spcBef>
+                <a:spcPts val="0"/>
+              </a:spcBef>
+              <a:spcAft>
+                <a:spcPts val="600"/>
+              </a:spcAft>
+            </a:pPr>
+            <a:r>
+              <a:rPr lang="en-US">
+                <a:solidFill>
+                  <a:srgbClr val="002060"/>
+                </a:solidFill>
+                <a:latin typeface="ArialMT"/>
+                <a:ea typeface="Calibri" panose="020F0502020204030204" pitchFamily="34" charset="0"/>
+                <a:cs typeface="Times New Roman" panose="02020603050405020304" pitchFamily="18" charset="0"/>
+              </a:rPr>
+              <a:t>     for cur_deep in range(i</a:t>
+            </a:r>
+            <a:r>
+              <a:rPr lang="en-US" baseline="-25000">
+                <a:solidFill>
+                  <a:srgbClr val="002060"/>
+                </a:solidFill>
+                <a:latin typeface="ArialMT"/>
+                <a:ea typeface="Calibri" panose="020F0502020204030204" pitchFamily="34" charset="0"/>
+                <a:cs typeface="Times New Roman" panose="02020603050405020304" pitchFamily="18" charset="0"/>
+              </a:rPr>
+              <a:t>o </a:t>
+            </a:r>
+            <a:r>
+              <a:rPr lang="en-US">
+                <a:solidFill>
+                  <a:srgbClr val="002060"/>
+                </a:solidFill>
+                <a:latin typeface="ArialMT"/>
+                <a:ea typeface="Calibri" panose="020F0502020204030204" pitchFamily="34" charset="0"/>
+                <a:cs typeface="Times New Roman" panose="02020603050405020304" pitchFamily="18" charset="0"/>
+              </a:rPr>
+              <a:t>; max_deep):</a:t>
+            </a:r>
+            <a:br>
+              <a:rPr lang="en-US" sz="1800">
+                <a:solidFill>
+                  <a:srgbClr val="002060"/>
+                </a:solidFill>
+                <a:effectLst/>
+                <a:latin typeface="ArialMT"/>
+                <a:ea typeface="Calibri" panose="020F0502020204030204" pitchFamily="34" charset="0"/>
+                <a:cs typeface="Times New Roman" panose="02020603050405020304" pitchFamily="18" charset="0"/>
+              </a:rPr>
+            </a:br>
+            <a:r>
+              <a:rPr lang="en-US" sz="1800">
+                <a:solidFill>
+                  <a:srgbClr val="002060"/>
+                </a:solidFill>
+                <a:effectLst/>
+                <a:latin typeface="ArialMT"/>
+                <a:ea typeface="Calibri" panose="020F0502020204030204" pitchFamily="34" charset="0"/>
+                <a:cs typeface="Times New Roman" panose="02020603050405020304" pitchFamily="18" charset="0"/>
+              </a:rPr>
+              <a:t>     	IDSStack </a:t>
+            </a:r>
+            <a:r>
+              <a:rPr lang="en-US" sz="1800">
+                <a:solidFill>
+                  <a:srgbClr val="002060"/>
+                </a:solidFill>
+                <a:effectLst/>
+                <a:latin typeface="SymbolMT"/>
+                <a:ea typeface="Calibri" panose="020F0502020204030204" pitchFamily="34" charset="0"/>
+                <a:cs typeface="Times New Roman" panose="02020603050405020304" pitchFamily="18" charset="0"/>
+                <a:sym typeface="Symbol" panose="05050102010706020507" pitchFamily="18" charset="2"/>
+              </a:rPr>
+              <a:t></a:t>
+            </a:r>
+            <a:r>
+              <a:rPr lang="en-US" sz="1800">
+                <a:solidFill>
+                  <a:srgbClr val="002060"/>
+                </a:solidFill>
+                <a:effectLst/>
+                <a:latin typeface="SymbolMT"/>
+                <a:ea typeface="Calibri" panose="020F0502020204030204" pitchFamily="34" charset="0"/>
+                <a:cs typeface="Times New Roman" panose="02020603050405020304" pitchFamily="18" charset="0"/>
+              </a:rPr>
+              <a:t> n</a:t>
+            </a:r>
+            <a:r>
+              <a:rPr lang="en-US" sz="1800" baseline="-25000">
+                <a:solidFill>
+                  <a:srgbClr val="002060"/>
+                </a:solidFill>
+                <a:effectLst/>
+                <a:latin typeface="SymbolMT"/>
+                <a:ea typeface="Calibri" panose="020F0502020204030204" pitchFamily="34" charset="0"/>
+                <a:cs typeface="Times New Roman" panose="02020603050405020304" pitchFamily="18" charset="0"/>
+              </a:rPr>
+              <a:t>0</a:t>
+            </a:r>
+            <a:br>
+              <a:rPr lang="en-US" sz="1800">
+                <a:solidFill>
+                  <a:srgbClr val="002060"/>
+                </a:solidFill>
+                <a:effectLst/>
+                <a:latin typeface="SymbolMT"/>
+                <a:ea typeface="Calibri" panose="020F0502020204030204" pitchFamily="34" charset="0"/>
+                <a:cs typeface="Times New Roman" panose="02020603050405020304" pitchFamily="18" charset="0"/>
+              </a:rPr>
+            </a:br>
+            <a:r>
+              <a:rPr lang="en-US" sz="1800">
+                <a:solidFill>
+                  <a:srgbClr val="002060"/>
+                </a:solidFill>
+                <a:effectLst/>
+                <a:latin typeface="SymbolMT"/>
+                <a:ea typeface="Calibri" panose="020F0502020204030204" pitchFamily="34" charset="0"/>
+                <a:cs typeface="Times New Roman" panose="02020603050405020304" pitchFamily="18" charset="0"/>
+              </a:rPr>
+              <a:t>     	 visited </a:t>
+            </a:r>
+            <a:r>
+              <a:rPr lang="en-US" sz="1800">
+                <a:solidFill>
+                  <a:srgbClr val="002060"/>
+                </a:solidFill>
+                <a:effectLst/>
+                <a:latin typeface="SymbolMT"/>
+                <a:ea typeface="Calibri" panose="020F0502020204030204" pitchFamily="34" charset="0"/>
+                <a:cs typeface="Times New Roman" panose="02020603050405020304" pitchFamily="18" charset="0"/>
+                <a:sym typeface="Symbol" panose="05050102010706020507" pitchFamily="18" charset="2"/>
+              </a:rPr>
+              <a:t></a:t>
+            </a:r>
+            <a:r>
+              <a:rPr lang="en-US" sz="1800">
+                <a:solidFill>
+                  <a:srgbClr val="002060"/>
+                </a:solidFill>
+                <a:effectLst/>
+                <a:latin typeface="SymbolMT"/>
+                <a:ea typeface="Calibri" panose="020F0502020204030204" pitchFamily="34" charset="0"/>
+                <a:cs typeface="Times New Roman" panose="02020603050405020304" pitchFamily="18" charset="0"/>
+              </a:rPr>
+              <a:t> </a:t>
+            </a:r>
+            <a:r>
+              <a:rPr lang="en-US" sz="1800">
+                <a:solidFill>
+                  <a:srgbClr val="002060"/>
+                </a:solidFill>
+                <a:effectLst/>
+                <a:latin typeface="SymbolMT"/>
+                <a:ea typeface="Calibri" panose="020F0502020204030204" pitchFamily="34" charset="0"/>
+                <a:cs typeface="Times New Roman" panose="02020603050405020304" pitchFamily="18" charset="0"/>
+                <a:sym typeface="Symbol" panose="05050102010706020507" pitchFamily="18" charset="2"/>
+              </a:rPr>
+              <a:t></a:t>
+            </a:r>
+            <a:br>
+              <a:rPr lang="en-US" sz="1800">
+                <a:solidFill>
+                  <a:srgbClr val="002060"/>
+                </a:solidFill>
+                <a:effectLst/>
+                <a:latin typeface="SymbolMT"/>
+                <a:ea typeface="Calibri" panose="020F0502020204030204" pitchFamily="34" charset="0"/>
+                <a:cs typeface="Times New Roman" panose="02020603050405020304" pitchFamily="18" charset="0"/>
+              </a:rPr>
+            </a:br>
+            <a:r>
+              <a:rPr lang="en-US" sz="1800">
+                <a:solidFill>
+                  <a:srgbClr val="002060"/>
+                </a:solidFill>
+                <a:effectLst/>
+                <a:latin typeface="SymbolMT"/>
+                <a:ea typeface="Calibri" panose="020F0502020204030204" pitchFamily="34" charset="0"/>
+                <a:cs typeface="Times New Roman" panose="02020603050405020304" pitchFamily="18" charset="0"/>
+              </a:rPr>
+              <a:t>      	while (</a:t>
+            </a:r>
+            <a:r>
+              <a:rPr lang="en-US" sz="1800">
+                <a:solidFill>
+                  <a:srgbClr val="002060"/>
+                </a:solidFill>
+                <a:effectLst/>
+                <a:latin typeface="ArialMT"/>
+                <a:ea typeface="Calibri" panose="020F0502020204030204" pitchFamily="34" charset="0"/>
+                <a:cs typeface="Times New Roman" panose="02020603050405020304" pitchFamily="18" charset="0"/>
+              </a:rPr>
+              <a:t>IDSStack</a:t>
+            </a:r>
+            <a:r>
+              <a:rPr lang="en-US" sz="1800">
+                <a:solidFill>
+                  <a:srgbClr val="002060"/>
+                </a:solidFill>
+                <a:effectLst/>
+                <a:latin typeface="SymbolMT"/>
+                <a:ea typeface="Calibri" panose="020F0502020204030204" pitchFamily="34" charset="0"/>
+                <a:cs typeface="Times New Roman" panose="02020603050405020304" pitchFamily="18" charset="0"/>
+              </a:rPr>
+              <a:t> </a:t>
+            </a:r>
+            <a:r>
+              <a:rPr lang="en-US" sz="1800">
+                <a:solidFill>
+                  <a:srgbClr val="002060"/>
+                </a:solidFill>
+                <a:effectLst/>
+                <a:latin typeface="SymbolMT"/>
+                <a:ea typeface="Calibri" panose="020F0502020204030204" pitchFamily="34" charset="0"/>
+                <a:cs typeface="Times New Roman" panose="02020603050405020304" pitchFamily="18" charset="0"/>
+                <a:sym typeface="Symbol" panose="05050102010706020507" pitchFamily="18" charset="2"/>
+              </a:rPr>
+              <a:t></a:t>
+            </a:r>
+            <a:r>
+              <a:rPr lang="en-US" sz="1800">
+                <a:solidFill>
+                  <a:srgbClr val="002060"/>
+                </a:solidFill>
+                <a:effectLst/>
+                <a:latin typeface="SymbolMT"/>
+                <a:ea typeface="Calibri" panose="020F0502020204030204" pitchFamily="34" charset="0"/>
+                <a:cs typeface="Times New Roman" panose="02020603050405020304" pitchFamily="18" charset="0"/>
+              </a:rPr>
+              <a:t> </a:t>
+            </a:r>
+            <a:r>
+              <a:rPr lang="en-US" sz="1800">
+                <a:solidFill>
+                  <a:srgbClr val="002060"/>
+                </a:solidFill>
+                <a:effectLst/>
+                <a:latin typeface="SymbolMT"/>
+                <a:ea typeface="Calibri" panose="020F0502020204030204" pitchFamily="34" charset="0"/>
+                <a:cs typeface="Times New Roman" panose="02020603050405020304" pitchFamily="18" charset="0"/>
+                <a:sym typeface="Symbol" panose="05050102010706020507" pitchFamily="18" charset="2"/>
+              </a:rPr>
+              <a:t></a:t>
+            </a:r>
+            <a:r>
+              <a:rPr lang="en-US" sz="1800">
+                <a:solidFill>
+                  <a:srgbClr val="002060"/>
+                </a:solidFill>
+                <a:effectLst/>
+                <a:latin typeface="SymbolMT"/>
+                <a:ea typeface="Calibri" panose="020F0502020204030204" pitchFamily="34" charset="0"/>
+                <a:cs typeface="Times New Roman" panose="02020603050405020304" pitchFamily="18" charset="0"/>
+              </a:rPr>
+              <a:t>) :</a:t>
+            </a:r>
+            <a:endParaRPr lang="en-US" sz="1800">
+              <a:effectLst/>
+              <a:latin typeface="Calibri" panose="020F0502020204030204" pitchFamily="34" charset="0"/>
+              <a:ea typeface="Calibri" panose="020F0502020204030204" pitchFamily="34" charset="0"/>
+              <a:cs typeface="Times New Roman" panose="02020603050405020304" pitchFamily="18" charset="0"/>
+            </a:endParaRPr>
+          </a:p>
+          <a:p>
+            <a:pPr marL="0" marR="0" indent="0">
+              <a:lnSpc>
+                <a:spcPct val="107000"/>
+              </a:lnSpc>
+              <a:spcBef>
+                <a:spcPts val="0"/>
+              </a:spcBef>
+              <a:spcAft>
+                <a:spcPts val="600"/>
+              </a:spcAft>
+            </a:pPr>
+            <a:r>
+              <a:rPr lang="en-US" sz="1800">
+                <a:solidFill>
+                  <a:srgbClr val="002060"/>
+                </a:solidFill>
+                <a:effectLst/>
+                <a:latin typeface="SymbolMT"/>
+                <a:ea typeface="Calibri" panose="020F0502020204030204" pitchFamily="34" charset="0"/>
+                <a:cs typeface="Times New Roman" panose="02020603050405020304" pitchFamily="18" charset="0"/>
+              </a:rPr>
+              <a:t>         	n </a:t>
+            </a:r>
+            <a:r>
+              <a:rPr lang="en-US" sz="1800">
+                <a:solidFill>
+                  <a:srgbClr val="002060"/>
+                </a:solidFill>
+                <a:effectLst/>
+                <a:latin typeface="SymbolMT"/>
+                <a:ea typeface="Calibri" panose="020F0502020204030204" pitchFamily="34" charset="0"/>
+                <a:cs typeface="Times New Roman" panose="02020603050405020304" pitchFamily="18" charset="0"/>
+                <a:sym typeface="Symbol" panose="05050102010706020507" pitchFamily="18" charset="2"/>
+              </a:rPr>
+              <a:t></a:t>
+            </a:r>
+            <a:r>
+              <a:rPr lang="en-US" sz="1800">
+                <a:solidFill>
+                  <a:srgbClr val="002060"/>
+                </a:solidFill>
+                <a:effectLst/>
+                <a:latin typeface="SymbolMT"/>
+                <a:ea typeface="Calibri" panose="020F0502020204030204" pitchFamily="34" charset="0"/>
+                <a:cs typeface="Times New Roman" panose="02020603050405020304" pitchFamily="18" charset="0"/>
+              </a:rPr>
+              <a:t> GET_FIRST(</a:t>
+            </a:r>
+            <a:r>
+              <a:rPr lang="en-US" sz="1800">
+                <a:solidFill>
+                  <a:srgbClr val="002060"/>
+                </a:solidFill>
+                <a:effectLst/>
+                <a:latin typeface="ArialMT"/>
+                <a:ea typeface="Calibri" panose="020F0502020204030204" pitchFamily="34" charset="0"/>
+                <a:cs typeface="Times New Roman" panose="02020603050405020304" pitchFamily="18" charset="0"/>
+              </a:rPr>
+              <a:t>IDSStack</a:t>
+            </a:r>
+            <a:r>
+              <a:rPr lang="en-US" sz="1800">
+                <a:solidFill>
+                  <a:srgbClr val="002060"/>
+                </a:solidFill>
+                <a:effectLst/>
+                <a:latin typeface="SymbolMT"/>
+                <a:ea typeface="Calibri" panose="020F0502020204030204" pitchFamily="34" charset="0"/>
+                <a:cs typeface="Times New Roman" panose="02020603050405020304" pitchFamily="18" charset="0"/>
+              </a:rPr>
+              <a:t>) </a:t>
+            </a:r>
+            <a:br>
+              <a:rPr lang="en-US" sz="1800">
+                <a:solidFill>
+                  <a:srgbClr val="002060"/>
+                </a:solidFill>
+                <a:effectLst/>
+                <a:latin typeface="ArialMT"/>
+                <a:ea typeface="Calibri" panose="020F0502020204030204" pitchFamily="34" charset="0"/>
+                <a:cs typeface="Times New Roman" panose="02020603050405020304" pitchFamily="18" charset="0"/>
+              </a:rPr>
+            </a:br>
+            <a:r>
+              <a:rPr lang="en-US" sz="1800">
+                <a:solidFill>
+                  <a:srgbClr val="002060"/>
+                </a:solidFill>
+                <a:effectLst/>
+                <a:latin typeface="ArialMT"/>
+                <a:ea typeface="Calibri" panose="020F0502020204030204" pitchFamily="34" charset="0"/>
+                <a:cs typeface="Times New Roman" panose="02020603050405020304" pitchFamily="18" charset="0"/>
+              </a:rPr>
+              <a:t>       		visited </a:t>
+            </a:r>
+            <a:r>
+              <a:rPr lang="en-US" sz="1800">
+                <a:solidFill>
+                  <a:srgbClr val="002060"/>
+                </a:solidFill>
+                <a:effectLst/>
+                <a:latin typeface="SymbolMT"/>
+                <a:ea typeface="Calibri" panose="020F0502020204030204" pitchFamily="34" charset="0"/>
+                <a:cs typeface="Times New Roman" panose="02020603050405020304" pitchFamily="18" charset="0"/>
+                <a:sym typeface="Symbol" panose="05050102010706020507" pitchFamily="18" charset="2"/>
+              </a:rPr>
+              <a:t></a:t>
+            </a:r>
+            <a:r>
+              <a:rPr lang="en-US" sz="1800">
+                <a:solidFill>
+                  <a:srgbClr val="002060"/>
+                </a:solidFill>
+                <a:effectLst/>
+                <a:latin typeface="SymbolMT"/>
+                <a:ea typeface="Calibri" panose="020F0502020204030204" pitchFamily="34" charset="0"/>
+                <a:cs typeface="Times New Roman" panose="02020603050405020304" pitchFamily="18" charset="0"/>
+              </a:rPr>
+              <a:t> visited </a:t>
+            </a:r>
+            <a:r>
+              <a:rPr lang="en-US" sz="1800">
+                <a:solidFill>
+                  <a:srgbClr val="002060"/>
+                </a:solidFill>
+                <a:effectLst/>
+                <a:latin typeface="SymbolMT"/>
+                <a:ea typeface="Calibri" panose="020F0502020204030204" pitchFamily="34" charset="0"/>
+                <a:cs typeface="Times New Roman" panose="02020603050405020304" pitchFamily="18" charset="0"/>
+                <a:sym typeface="Symbol" panose="05050102010706020507" pitchFamily="18" charset="2"/>
+              </a:rPr>
+              <a:t></a:t>
+            </a:r>
+            <a:r>
+              <a:rPr lang="en-US" sz="1800">
+                <a:solidFill>
+                  <a:srgbClr val="002060"/>
+                </a:solidFill>
+                <a:effectLst/>
+                <a:latin typeface="SymbolMT"/>
+                <a:ea typeface="Calibri" panose="020F0502020204030204" pitchFamily="34" charset="0"/>
+                <a:cs typeface="Times New Roman" panose="02020603050405020304" pitchFamily="18" charset="0"/>
+              </a:rPr>
+              <a:t> n</a:t>
+            </a:r>
+            <a:br>
+              <a:rPr lang="en-US" sz="1800">
+                <a:solidFill>
+                  <a:srgbClr val="002060"/>
+                </a:solidFill>
+                <a:effectLst/>
+                <a:latin typeface="SymbolMT"/>
+                <a:ea typeface="Calibri" panose="020F0502020204030204" pitchFamily="34" charset="0"/>
+                <a:cs typeface="Times New Roman" panose="02020603050405020304" pitchFamily="18" charset="0"/>
+              </a:rPr>
+            </a:br>
+            <a:r>
+              <a:rPr lang="en-US" sz="1800">
+                <a:solidFill>
+                  <a:srgbClr val="002060"/>
+                </a:solidFill>
+                <a:effectLst/>
+                <a:latin typeface="SymbolMT"/>
+                <a:ea typeface="Calibri" panose="020F0502020204030204" pitchFamily="34" charset="0"/>
+                <a:cs typeface="Times New Roman" panose="02020603050405020304" pitchFamily="18" charset="0"/>
+              </a:rPr>
+              <a:t>        		 if (n </a:t>
+            </a:r>
+            <a:r>
+              <a:rPr lang="en-US" sz="1800">
+                <a:solidFill>
+                  <a:srgbClr val="002060"/>
+                </a:solidFill>
+                <a:effectLst/>
+                <a:latin typeface="SymbolMT"/>
+                <a:ea typeface="Calibri" panose="020F0502020204030204" pitchFamily="34" charset="0"/>
+                <a:cs typeface="Times New Roman" panose="02020603050405020304" pitchFamily="18" charset="0"/>
+                <a:sym typeface="Symbol" panose="05050102010706020507" pitchFamily="18" charset="2"/>
+              </a:rPr>
+              <a:t></a:t>
+            </a:r>
+            <a:r>
+              <a:rPr lang="en-US" sz="1800">
+                <a:solidFill>
+                  <a:srgbClr val="002060"/>
+                </a:solidFill>
+                <a:effectLst/>
+                <a:latin typeface="SymbolMT"/>
+                <a:ea typeface="Calibri" panose="020F0502020204030204" pitchFamily="34" charset="0"/>
+                <a:cs typeface="Times New Roman" panose="02020603050405020304" pitchFamily="18" charset="0"/>
+              </a:rPr>
+              <a:t> </a:t>
+            </a:r>
+            <a:r>
+              <a:rPr lang="en-US" sz="1800">
+                <a:solidFill>
+                  <a:srgbClr val="002060"/>
+                </a:solidFill>
+                <a:effectLst/>
+                <a:latin typeface="ArialMT"/>
+                <a:ea typeface="Calibri" panose="020F0502020204030204" pitchFamily="34" charset="0"/>
+                <a:cs typeface="Times New Roman" panose="02020603050405020304" pitchFamily="18" charset="0"/>
+              </a:rPr>
+              <a:t>Goal): </a:t>
+            </a:r>
+          </a:p>
+          <a:p>
+            <a:pPr marL="0" marR="0" indent="0">
+              <a:lnSpc>
+                <a:spcPct val="107000"/>
+              </a:lnSpc>
+              <a:spcBef>
+                <a:spcPts val="0"/>
+              </a:spcBef>
+              <a:spcAft>
+                <a:spcPts val="600"/>
+              </a:spcAft>
+            </a:pPr>
+            <a:r>
+              <a:rPr lang="en-US">
+                <a:solidFill>
+                  <a:srgbClr val="002060"/>
+                </a:solidFill>
+                <a:latin typeface="ArialMT"/>
+                <a:ea typeface="Calibri" panose="020F0502020204030204" pitchFamily="34" charset="0"/>
+                <a:cs typeface="Times New Roman" panose="02020603050405020304" pitchFamily="18" charset="0"/>
+              </a:rPr>
+              <a:t>            		 </a:t>
+            </a:r>
+            <a:r>
+              <a:rPr lang="en-US" sz="1800">
+                <a:solidFill>
+                  <a:srgbClr val="002060"/>
+                </a:solidFill>
+                <a:effectLst/>
+                <a:latin typeface="ArialMT"/>
+                <a:ea typeface="Calibri" panose="020F0502020204030204" pitchFamily="34" charset="0"/>
+                <a:cs typeface="Times New Roman" panose="02020603050405020304" pitchFamily="18" charset="0"/>
+              </a:rPr>
+              <a:t>return SOLUTION(n)</a:t>
+            </a:r>
+          </a:p>
+          <a:p>
+            <a:pPr marL="0" marR="0" indent="0">
+              <a:lnSpc>
+                <a:spcPct val="107000"/>
+              </a:lnSpc>
+              <a:spcBef>
+                <a:spcPts val="0"/>
+              </a:spcBef>
+              <a:spcAft>
+                <a:spcPts val="600"/>
+              </a:spcAft>
+            </a:pPr>
+            <a:r>
+              <a:rPr lang="en-US">
+                <a:solidFill>
+                  <a:srgbClr val="002060"/>
+                </a:solidFill>
+                <a:latin typeface="ArialMT"/>
+                <a:ea typeface="Calibri" panose="020F0502020204030204" pitchFamily="34" charset="0"/>
+                <a:cs typeface="Times New Roman" panose="02020603050405020304" pitchFamily="18" charset="0"/>
+              </a:rPr>
+              <a:t>               if deep(n) == cur_deep:</a:t>
+            </a:r>
+          </a:p>
+          <a:p>
+            <a:pPr marL="0" marR="0" indent="0">
+              <a:lnSpc>
+                <a:spcPct val="107000"/>
+              </a:lnSpc>
+              <a:spcBef>
+                <a:spcPts val="0"/>
+              </a:spcBef>
+              <a:spcAft>
+                <a:spcPts val="600"/>
+              </a:spcAft>
+            </a:pPr>
+            <a:r>
+              <a:rPr lang="en-US" sz="1800">
+                <a:solidFill>
+                  <a:srgbClr val="002060"/>
+                </a:solidFill>
+                <a:effectLst/>
+                <a:latin typeface="ArialMT"/>
+                <a:ea typeface="Calibri" panose="020F0502020204030204" pitchFamily="34" charset="0"/>
+                <a:cs typeface="Times New Roman" panose="02020603050405020304" pitchFamily="18" charset="0"/>
+              </a:rPr>
+              <a:t>                      continue</a:t>
+            </a:r>
+            <a:br>
+              <a:rPr lang="en-US" sz="1800">
+                <a:solidFill>
+                  <a:srgbClr val="002060"/>
+                </a:solidFill>
+                <a:effectLst/>
+                <a:latin typeface="ArialMT"/>
+                <a:ea typeface="Calibri" panose="020F0502020204030204" pitchFamily="34" charset="0"/>
+                <a:cs typeface="Times New Roman" panose="02020603050405020304" pitchFamily="18" charset="0"/>
+              </a:rPr>
+            </a:br>
+            <a:r>
+              <a:rPr lang="en-US" sz="1800">
+                <a:solidFill>
+                  <a:srgbClr val="002060"/>
+                </a:solidFill>
+                <a:effectLst/>
+                <a:latin typeface="ArialMT"/>
+                <a:ea typeface="Calibri" panose="020F0502020204030204" pitchFamily="34" charset="0"/>
+                <a:cs typeface="Times New Roman" panose="02020603050405020304" pitchFamily="18" charset="0"/>
+              </a:rPr>
+              <a:t>      		 for neighbor in getNeighbor(n):</a:t>
+            </a:r>
+          </a:p>
+          <a:p>
+            <a:pPr marL="0" marR="0" indent="0">
+              <a:lnSpc>
+                <a:spcPct val="107000"/>
+              </a:lnSpc>
+              <a:spcBef>
+                <a:spcPts val="0"/>
+              </a:spcBef>
+              <a:spcAft>
+                <a:spcPts val="600"/>
+              </a:spcAft>
+            </a:pPr>
+            <a:r>
+              <a:rPr lang="en-US">
+                <a:solidFill>
+                  <a:srgbClr val="002060"/>
+                </a:solidFill>
+                <a:latin typeface="ArialMT"/>
+                <a:ea typeface="Calibri" panose="020F0502020204030204" pitchFamily="34" charset="0"/>
+                <a:cs typeface="Times New Roman" panose="02020603050405020304" pitchFamily="18" charset="0"/>
+              </a:rPr>
+              <a:t>            		 if neighbor not in visited:</a:t>
+            </a:r>
+          </a:p>
+          <a:p>
+            <a:pPr marL="0" marR="0" indent="0">
+              <a:lnSpc>
+                <a:spcPct val="107000"/>
+              </a:lnSpc>
+              <a:spcBef>
+                <a:spcPts val="0"/>
+              </a:spcBef>
+              <a:spcAft>
+                <a:spcPts val="600"/>
+              </a:spcAft>
+            </a:pPr>
+            <a:r>
+              <a:rPr lang="en-US" sz="1800">
+                <a:solidFill>
+                  <a:srgbClr val="002060"/>
+                </a:solidFill>
+                <a:effectLst/>
+                <a:latin typeface="ArialMT"/>
+                <a:ea typeface="Calibri" panose="020F0502020204030204" pitchFamily="34" charset="0"/>
+                <a:cs typeface="Times New Roman" panose="02020603050405020304" pitchFamily="18" charset="0"/>
+              </a:rPr>
+              <a:t>                 		IDSStack </a:t>
+            </a:r>
+            <a:r>
+              <a:rPr lang="en-US" sz="1800">
+                <a:solidFill>
+                  <a:srgbClr val="002060"/>
+                </a:solidFill>
+                <a:effectLst/>
+                <a:latin typeface="SymbolMT"/>
+                <a:ea typeface="Calibri" panose="020F0502020204030204" pitchFamily="34" charset="0"/>
+                <a:cs typeface="Times New Roman" panose="02020603050405020304" pitchFamily="18" charset="0"/>
+                <a:sym typeface="Symbol" panose="05050102010706020507" pitchFamily="18" charset="2"/>
+              </a:rPr>
+              <a:t> neighbor</a:t>
+            </a:r>
+            <a:br>
+              <a:rPr lang="en-US" sz="1800">
+                <a:solidFill>
+                  <a:srgbClr val="002060"/>
+                </a:solidFill>
+                <a:effectLst/>
+                <a:latin typeface="SymbolMT"/>
+                <a:ea typeface="Calibri" panose="020F0502020204030204" pitchFamily="34" charset="0"/>
+                <a:cs typeface="Times New Roman" panose="02020603050405020304" pitchFamily="18" charset="0"/>
+              </a:rPr>
+            </a:br>
+            <a:r>
+              <a:rPr lang="en-US" sz="1800">
+                <a:solidFill>
+                  <a:srgbClr val="002060"/>
+                </a:solidFill>
+                <a:effectLst/>
+                <a:latin typeface="ArialMT"/>
+                <a:ea typeface="Calibri" panose="020F0502020204030204" pitchFamily="34" charset="0"/>
+                <a:cs typeface="Times New Roman" panose="02020603050405020304" pitchFamily="18" charset="0"/>
+              </a:rPr>
+              <a:t>    return (“No solution”)</a:t>
+            </a:r>
+            <a:endParaRPr lang="en-US" sz="1800">
+              <a:effectLst/>
+              <a:latin typeface="Calibri" panose="020F0502020204030204" pitchFamily="34" charset="0"/>
+              <a:ea typeface="Calibri" panose="020F0502020204030204" pitchFamily="34" charset="0"/>
+              <a:cs typeface="Times New Roman" panose="02020603050405020304" pitchFamily="18" charset="0"/>
+            </a:endParaRPr>
+          </a:p>
+          <a:p>
+            <a:endParaRPr lang="en-US"/>
           </a:p>
         </p:txBody>
       </p:sp>

--- a/AI_Project_Nhom3.pptx
+++ b/AI_Project_Nhom3.pptx
@@ -6,10 +6,10 @@
     <p:sldMasterId id="2147483679" r:id="rId2"/>
   </p:sldMasterIdLst>
   <p:notesMasterIdLst>
-    <p:notesMasterId r:id="rId40"/>
+    <p:notesMasterId r:id="rId41"/>
   </p:notesMasterIdLst>
   <p:handoutMasterIdLst>
-    <p:handoutMasterId r:id="rId41"/>
+    <p:handoutMasterId r:id="rId42"/>
   </p:handoutMasterIdLst>
   <p:sldIdLst>
     <p:sldId id="257" r:id="rId3"/>
@@ -48,7 +48,8 @@
     <p:sldId id="397" r:id="rId36"/>
     <p:sldId id="398" r:id="rId37"/>
     <p:sldId id="332" r:id="rId38"/>
-    <p:sldId id="269" r:id="rId39"/>
+    <p:sldId id="399" r:id="rId39"/>
+    <p:sldId id="269" r:id="rId40"/>
   </p:sldIdLst>
   <p:sldSz cx="9144000" cy="6858000" type="screen4x3"/>
   <p:notesSz cx="6858000" cy="9144000"/>
@@ -255,7 +256,7 @@
           <a:p>
             <a:fld id="{48B45424-6BAC-416C-8F6C-5F9DE854A36B}" type="datetimeFigureOut">
               <a:rPr lang="en-US" smtClean="0"/>
-              <a:t>03-Jul-22</a:t>
+              <a:t>04-Jul-22</a:t>
             </a:fld>
             <a:endParaRPr lang="en-US"/>
           </a:p>
@@ -433,7 +434,7 @@
           <a:p>
             <a:fld id="{6B733702-C25A-40B9-9167-54BAA79B29B0}" type="datetimeFigureOut">
               <a:rPr lang="en-US" smtClean="0"/>
-              <a:t>03-Jul-22</a:t>
+              <a:t>04-Jul-22</a:t>
             </a:fld>
             <a:endParaRPr lang="en-US"/>
           </a:p>
@@ -11304,6 +11305,467 @@
 </p:notes>
 </file>
 
+<file path=ppt/notesSlides/notesSlide30.xml><?xml version="1.0" encoding="utf-8"?>
+<p:notes xmlns:a="http://schemas.openxmlformats.org/drawingml/2006/main" xmlns:r="http://schemas.openxmlformats.org/officeDocument/2006/relationships" xmlns:p="http://schemas.openxmlformats.org/presentationml/2006/main">
+  <p:cSld>
+    <p:spTree>
+      <p:nvGrpSpPr>
+        <p:cNvPr id="1" name=""/>
+        <p:cNvGrpSpPr/>
+        <p:nvPr/>
+      </p:nvGrpSpPr>
+      <p:grpSpPr>
+        <a:xfrm>
+          <a:off x="0" y="0"/>
+          <a:ext cx="0" cy="0"/>
+          <a:chOff x="0" y="0"/>
+          <a:chExt cx="0" cy="0"/>
+        </a:xfrm>
+      </p:grpSpPr>
+      <p:sp>
+        <p:nvSpPr>
+          <p:cNvPr id="2" name="Slide Image Placeholder 1"/>
+          <p:cNvSpPr>
+            <a:spLocks noGrp="1" noRot="1" noChangeAspect="1"/>
+          </p:cNvSpPr>
+          <p:nvPr>
+            <p:ph type="sldImg"/>
+          </p:nvPr>
+        </p:nvSpPr>
+        <p:spPr/>
+      </p:sp>
+      <p:sp>
+        <p:nvSpPr>
+          <p:cNvPr id="3" name="Notes Placeholder 2"/>
+          <p:cNvSpPr>
+            <a:spLocks noGrp="1"/>
+          </p:cNvSpPr>
+          <p:nvPr>
+            <p:ph type="body" idx="1"/>
+          </p:nvPr>
+        </p:nvSpPr>
+        <p:spPr/>
+        <p:txBody>
+          <a:bodyPr/>
+          <a:lstStyle/>
+          <a:p>
+            <a:r>
+              <a:rPr lang="en-US" dirty="0" err="1"/>
+              <a:t>Nghiên</a:t>
+            </a:r>
+            <a:r>
+              <a:rPr lang="en-US" dirty="0"/>
+              <a:t> </a:t>
+            </a:r>
+            <a:r>
+              <a:rPr lang="en-US" dirty="0" err="1"/>
+              <a:t>cứu</a:t>
+            </a:r>
+            <a:r>
+              <a:rPr lang="en-US" dirty="0"/>
+              <a:t> </a:t>
+            </a:r>
+            <a:r>
+              <a:rPr lang="en-US" dirty="0" err="1"/>
+              <a:t>của</a:t>
+            </a:r>
+            <a:r>
+              <a:rPr lang="en-US" dirty="0"/>
+              <a:t> IoT Analytics </a:t>
+            </a:r>
+            <a:r>
+              <a:rPr lang="en-US" dirty="0" err="1"/>
+              <a:t>thực</a:t>
+            </a:r>
+            <a:r>
+              <a:rPr lang="en-US" dirty="0"/>
+              <a:t> </a:t>
+            </a:r>
+            <a:r>
+              <a:rPr lang="en-US" dirty="0" err="1"/>
+              <a:t>hiện</a:t>
+            </a:r>
+            <a:r>
+              <a:rPr lang="en-US" dirty="0"/>
+              <a:t> </a:t>
+            </a:r>
+            <a:r>
+              <a:rPr lang="en-US" dirty="0" err="1"/>
+              <a:t>vào</a:t>
+            </a:r>
+            <a:r>
+              <a:rPr lang="en-US" dirty="0"/>
+              <a:t> </a:t>
+            </a:r>
+            <a:r>
+              <a:rPr lang="en-US" dirty="0" err="1"/>
+              <a:t>tháng</a:t>
+            </a:r>
+            <a:r>
+              <a:rPr lang="en-US" dirty="0"/>
+              <a:t> 5 </a:t>
+            </a:r>
+            <a:r>
+              <a:rPr lang="en-US" dirty="0" err="1"/>
+              <a:t>năm</a:t>
+            </a:r>
+            <a:r>
+              <a:rPr lang="en-US" dirty="0"/>
+              <a:t> 2022 </a:t>
+            </a:r>
+            <a:r>
+              <a:rPr lang="en-US" dirty="0" err="1"/>
+              <a:t>thì</a:t>
+            </a:r>
+            <a:r>
+              <a:rPr lang="en-US" dirty="0"/>
+              <a:t> </a:t>
+            </a:r>
+            <a:r>
+              <a:rPr lang="en-US" dirty="0" err="1"/>
+              <a:t>năm</a:t>
+            </a:r>
+            <a:r>
+              <a:rPr lang="en-US" dirty="0"/>
+              <a:t> 2022 </a:t>
+            </a:r>
+            <a:r>
+              <a:rPr lang="en-US" dirty="0" err="1"/>
+              <a:t>toàn</a:t>
+            </a:r>
+            <a:r>
+              <a:rPr lang="en-US" dirty="0"/>
+              <a:t> </a:t>
+            </a:r>
+            <a:r>
+              <a:rPr lang="en-US" dirty="0" err="1"/>
+              <a:t>thế</a:t>
+            </a:r>
+            <a:r>
+              <a:rPr lang="en-US" dirty="0"/>
+              <a:t> </a:t>
+            </a:r>
+            <a:r>
+              <a:rPr lang="en-US" dirty="0" err="1"/>
+              <a:t>giới</a:t>
+            </a:r>
+            <a:r>
+              <a:rPr lang="en-US" dirty="0"/>
+              <a:t> </a:t>
+            </a:r>
+            <a:r>
+              <a:rPr lang="en-US" dirty="0" err="1"/>
+              <a:t>có</a:t>
+            </a:r>
+            <a:r>
+              <a:rPr lang="en-US" dirty="0"/>
+              <a:t> </a:t>
+            </a:r>
+            <a:r>
+              <a:rPr lang="en-US" dirty="0" err="1"/>
+              <a:t>khoảng</a:t>
+            </a:r>
+            <a:r>
+              <a:rPr lang="en-US" dirty="0"/>
+              <a:t> 12,2 </a:t>
+            </a:r>
+            <a:r>
+              <a:rPr lang="en-US" dirty="0" err="1"/>
+              <a:t>tỷ</a:t>
+            </a:r>
+            <a:r>
+              <a:rPr lang="en-US" dirty="0"/>
+              <a:t> </a:t>
+            </a:r>
+            <a:r>
+              <a:rPr lang="en-US" dirty="0" err="1"/>
+              <a:t>thiết</a:t>
+            </a:r>
+            <a:r>
+              <a:rPr lang="en-US" dirty="0"/>
+              <a:t> </a:t>
+            </a:r>
+            <a:r>
+              <a:rPr lang="en-US" dirty="0" err="1"/>
+              <a:t>bị</a:t>
+            </a:r>
+            <a:r>
+              <a:rPr lang="en-US" dirty="0"/>
+              <a:t> IoT</a:t>
+            </a:r>
+          </a:p>
+          <a:p>
+            <a:r>
+              <a:rPr lang="en-US" dirty="0" err="1"/>
+              <a:t>Dự</a:t>
+            </a:r>
+            <a:r>
+              <a:rPr lang="en-US" dirty="0"/>
+              <a:t> </a:t>
+            </a:r>
+            <a:r>
+              <a:rPr lang="en-US" dirty="0" err="1"/>
+              <a:t>kiến</a:t>
+            </a:r>
+            <a:r>
+              <a:rPr lang="en-US" dirty="0"/>
+              <a:t> con </a:t>
+            </a:r>
+            <a:r>
+              <a:rPr lang="en-US" dirty="0" err="1"/>
+              <a:t>số</a:t>
+            </a:r>
+            <a:r>
+              <a:rPr lang="en-US" dirty="0"/>
+              <a:t> </a:t>
+            </a:r>
+            <a:r>
+              <a:rPr lang="en-US" dirty="0" err="1"/>
+              <a:t>này</a:t>
+            </a:r>
+            <a:r>
+              <a:rPr lang="en-US" dirty="0"/>
+              <a:t> </a:t>
+            </a:r>
+            <a:r>
+              <a:rPr lang="en-US" dirty="0" err="1"/>
+              <a:t>sẽ</a:t>
+            </a:r>
+            <a:r>
+              <a:rPr lang="en-US" dirty="0"/>
+              <a:t> tang </a:t>
+            </a:r>
+            <a:r>
+              <a:rPr lang="en-US" dirty="0" err="1"/>
+              <a:t>gấp</a:t>
+            </a:r>
+            <a:r>
+              <a:rPr lang="en-US" dirty="0"/>
+              <a:t> 2 </a:t>
+            </a:r>
+            <a:r>
+              <a:rPr lang="en-US" dirty="0" err="1"/>
+              <a:t>lần</a:t>
+            </a:r>
+            <a:r>
+              <a:rPr lang="en-US" dirty="0"/>
+              <a:t> </a:t>
+            </a:r>
+            <a:r>
+              <a:rPr lang="en-US" dirty="0" err="1"/>
+              <a:t>tới</a:t>
+            </a:r>
+            <a:r>
+              <a:rPr lang="en-US" dirty="0"/>
+              <a:t> </a:t>
+            </a:r>
+            <a:r>
+              <a:rPr lang="en-US" dirty="0" err="1"/>
+              <a:t>khoảng</a:t>
+            </a:r>
+            <a:r>
+              <a:rPr lang="en-US" dirty="0"/>
+              <a:t> 27 </a:t>
+            </a:r>
+            <a:r>
+              <a:rPr lang="en-US" dirty="0" err="1"/>
+              <a:t>tỷ</a:t>
+            </a:r>
+            <a:r>
+              <a:rPr lang="en-US" dirty="0"/>
+              <a:t> </a:t>
+            </a:r>
+            <a:r>
+              <a:rPr lang="en-US" dirty="0" err="1"/>
+              <a:t>vào</a:t>
+            </a:r>
+            <a:r>
+              <a:rPr lang="en-US" dirty="0"/>
+              <a:t> 2025</a:t>
+            </a:r>
+            <a:br>
+              <a:rPr lang="en-US" dirty="0"/>
+            </a:br>
+            <a:r>
+              <a:rPr lang="en-US" dirty="0" err="1"/>
+              <a:t>Với</a:t>
+            </a:r>
+            <a:r>
+              <a:rPr lang="en-US" dirty="0"/>
+              <a:t> </a:t>
+            </a:r>
+            <a:r>
+              <a:rPr lang="en-US" dirty="0" err="1"/>
+              <a:t>sự</a:t>
+            </a:r>
+            <a:r>
+              <a:rPr lang="en-US" dirty="0"/>
+              <a:t> tang </a:t>
+            </a:r>
+            <a:r>
+              <a:rPr lang="en-US" dirty="0" err="1"/>
+              <a:t>trưởng</a:t>
+            </a:r>
+            <a:r>
+              <a:rPr lang="en-US" dirty="0"/>
+              <a:t> </a:t>
+            </a:r>
+            <a:r>
+              <a:rPr lang="en-US" dirty="0" err="1"/>
+              <a:t>mạnh</a:t>
+            </a:r>
+            <a:r>
+              <a:rPr lang="en-US" dirty="0"/>
+              <a:t> </a:t>
+            </a:r>
+            <a:r>
+              <a:rPr lang="en-US" dirty="0" err="1"/>
+              <a:t>mẽ</a:t>
+            </a:r>
+            <a:r>
+              <a:rPr lang="en-US" dirty="0"/>
+              <a:t> </a:t>
+            </a:r>
+            <a:r>
+              <a:rPr lang="en-US" dirty="0" err="1"/>
+              <a:t>như</a:t>
+            </a:r>
+            <a:r>
+              <a:rPr lang="en-US" dirty="0"/>
+              <a:t> </a:t>
+            </a:r>
+            <a:r>
+              <a:rPr lang="en-US" dirty="0" err="1"/>
+              <a:t>vậy</a:t>
+            </a:r>
+            <a:r>
+              <a:rPr lang="en-US" dirty="0"/>
+              <a:t> </a:t>
+            </a:r>
+            <a:r>
+              <a:rPr lang="en-US" dirty="0" err="1"/>
+              <a:t>thì</a:t>
+            </a:r>
+            <a:r>
+              <a:rPr lang="en-US" dirty="0"/>
+              <a:t> IoT </a:t>
+            </a:r>
+            <a:r>
+              <a:rPr lang="en-US" dirty="0" err="1"/>
+              <a:t>đã</a:t>
+            </a:r>
+            <a:r>
+              <a:rPr lang="en-US" dirty="0"/>
+              <a:t> </a:t>
+            </a:r>
+            <a:r>
+              <a:rPr lang="en-US" dirty="0" err="1"/>
+              <a:t>được</a:t>
+            </a:r>
+            <a:r>
+              <a:rPr lang="en-US" dirty="0"/>
+              <a:t> </a:t>
+            </a:r>
+            <a:r>
+              <a:rPr lang="en-US" dirty="0" err="1"/>
+              <a:t>ứng</a:t>
+            </a:r>
+            <a:r>
+              <a:rPr lang="en-US" dirty="0"/>
+              <a:t> </a:t>
+            </a:r>
+            <a:r>
+              <a:rPr lang="en-US" dirty="0" err="1"/>
+              <a:t>dụng</a:t>
+            </a:r>
+            <a:r>
+              <a:rPr lang="en-US" dirty="0"/>
+              <a:t> </a:t>
+            </a:r>
+            <a:r>
+              <a:rPr lang="en-US" dirty="0" err="1"/>
+              <a:t>vào</a:t>
+            </a:r>
+            <a:r>
+              <a:rPr lang="en-US" dirty="0"/>
+              <a:t> </a:t>
+            </a:r>
+            <a:r>
+              <a:rPr lang="en-US" dirty="0" err="1"/>
+              <a:t>nhiều</a:t>
+            </a:r>
+            <a:r>
+              <a:rPr lang="en-US" dirty="0"/>
+              <a:t> </a:t>
+            </a:r>
+            <a:r>
+              <a:rPr lang="en-US" dirty="0" err="1"/>
+              <a:t>lĩnh</a:t>
+            </a:r>
+            <a:r>
+              <a:rPr lang="en-US" dirty="0"/>
+              <a:t> </a:t>
+            </a:r>
+            <a:r>
+              <a:rPr lang="en-US" dirty="0" err="1"/>
+              <a:t>vực</a:t>
+            </a:r>
+            <a:r>
+              <a:rPr lang="en-US" dirty="0"/>
+              <a:t> </a:t>
+            </a:r>
+            <a:r>
+              <a:rPr lang="en-US" dirty="0" err="1"/>
+              <a:t>khác</a:t>
+            </a:r>
+            <a:r>
+              <a:rPr lang="en-US" dirty="0"/>
+              <a:t> </a:t>
+            </a:r>
+            <a:r>
+              <a:rPr lang="en-US" dirty="0" err="1"/>
+              <a:t>nhau</a:t>
+            </a:r>
+            <a:endParaRPr lang="vi-VN" dirty="0"/>
+          </a:p>
+        </p:txBody>
+      </p:sp>
+      <p:sp>
+        <p:nvSpPr>
+          <p:cNvPr id="4" name="Slide Number Placeholder 3"/>
+          <p:cNvSpPr>
+            <a:spLocks noGrp="1"/>
+          </p:cNvSpPr>
+          <p:nvPr>
+            <p:ph type="sldNum" sz="quarter" idx="5"/>
+          </p:nvPr>
+        </p:nvSpPr>
+        <p:spPr/>
+        <p:txBody>
+          <a:bodyPr/>
+          <a:lstStyle/>
+          <a:p>
+            <a:fld id="{AB2FC7A4-3D1B-482D-8C9D-7642A2CE3076}" type="slidenum">
+              <a:rPr lang="en-US" smtClean="0"/>
+              <a:t>37</a:t>
+            </a:fld>
+            <a:endParaRPr lang="en-US"/>
+          </a:p>
+        </p:txBody>
+      </p:sp>
+    </p:spTree>
+    <p:extLst>
+      <p:ext uri="{BB962C8B-B14F-4D97-AF65-F5344CB8AC3E}">
+        <p14:creationId xmlns:p14="http://schemas.microsoft.com/office/powerpoint/2010/main" val="2631222941"/>
+      </p:ext>
+    </p:extLst>
+  </p:cSld>
+  <p:clrMapOvr>
+    <a:masterClrMapping/>
+  </p:clrMapOvr>
+</p:notes>
+</file>
+
 <file path=ppt/notesSlides/notesSlide4.xml><?xml version="1.0" encoding="utf-8"?>
 <p:notes xmlns:a="http://schemas.openxmlformats.org/drawingml/2006/main" xmlns:r="http://schemas.openxmlformats.org/officeDocument/2006/relationships" xmlns:p="http://schemas.openxmlformats.org/presentationml/2006/main">
   <p:cSld>
@@ -14144,7 +14606,7 @@
             <a:fld id="{F70EAA40-3A53-4A3D-924A-D38F1059C7D5}" type="datetime1">
               <a:rPr lang="en-US" smtClean="0"/>
               <a:pPr/>
-              <a:t>03-Jul-22</a:t>
+              <a:t>04-Jul-22</a:t>
             </a:fld>
             <a:endParaRPr lang="en-US"/>
           </a:p>
@@ -14480,7 +14942,7 @@
             <a:fld id="{F70EAA40-3A53-4A3D-924A-D38F1059C7D5}" type="datetime1">
               <a:rPr lang="en-US" smtClean="0"/>
               <a:pPr/>
-              <a:t>03-Jul-22</a:t>
+              <a:t>04-Jul-22</a:t>
             </a:fld>
             <a:endParaRPr lang="en-US"/>
           </a:p>
@@ -14710,7 +15172,7 @@
             <a:fld id="{F70EAA40-3A53-4A3D-924A-D38F1059C7D5}" type="datetime1">
               <a:rPr lang="en-US" smtClean="0"/>
               <a:pPr/>
-              <a:t>03-Jul-22</a:t>
+              <a:t>04-Jul-22</a:t>
             </a:fld>
             <a:endParaRPr lang="en-US"/>
           </a:p>
@@ -15046,7 +15508,7 @@
             <a:fld id="{F70EAA40-3A53-4A3D-924A-D38F1059C7D5}" type="datetime1">
               <a:rPr lang="en-US" smtClean="0"/>
               <a:pPr/>
-              <a:t>03-Jul-22</a:t>
+              <a:t>04-Jul-22</a:t>
             </a:fld>
             <a:endParaRPr lang="en-US"/>
           </a:p>
@@ -18550,6 +19012,169 @@
           </a:prstGeom>
         </p:spPr>
       </p:pic>
+      <p:sp>
+        <p:nvSpPr>
+          <p:cNvPr id="20" name="Flowchart: Connector 19">
+            <a:extLst>
+              <a:ext uri="{FF2B5EF4-FFF2-40B4-BE49-F238E27FC236}">
+                <a16:creationId xmlns:a16="http://schemas.microsoft.com/office/drawing/2014/main" id="{FEDBBE43-B04F-1F64-6865-BC0A54F69D43}"/>
+              </a:ext>
+            </a:extLst>
+          </p:cNvPr>
+          <p:cNvSpPr/>
+          <p:nvPr/>
+        </p:nvSpPr>
+        <p:spPr>
+          <a:xfrm>
+            <a:off x="5266147" y="3384655"/>
+            <a:ext cx="445325" cy="451739"/>
+          </a:xfrm>
+          <a:prstGeom prst="flowChartConnector">
+            <a:avLst/>
+          </a:prstGeom>
+          <a:solidFill>
+            <a:schemeClr val="accent2">
+              <a:lumMod val="60000"/>
+              <a:lumOff val="40000"/>
+            </a:schemeClr>
+          </a:solidFill>
+        </p:spPr>
+        <p:style>
+          <a:lnRef idx="2">
+            <a:schemeClr val="accent1">
+              <a:shade val="50000"/>
+            </a:schemeClr>
+          </a:lnRef>
+          <a:fillRef idx="1">
+            <a:schemeClr val="accent1"/>
+          </a:fillRef>
+          <a:effectRef idx="0">
+            <a:schemeClr val="accent1"/>
+          </a:effectRef>
+          <a:fontRef idx="minor">
+            <a:schemeClr val="lt1"/>
+          </a:fontRef>
+        </p:style>
+        <p:txBody>
+          <a:bodyPr rtlCol="0" anchor="ctr"/>
+          <a:lstStyle/>
+          <a:p>
+            <a:pPr algn="ctr"/>
+            <a:endParaRPr lang="en-US"/>
+          </a:p>
+        </p:txBody>
+      </p:sp>
+      <p:cxnSp>
+        <p:nvCxnSpPr>
+          <p:cNvPr id="22" name="Straight Connector 21">
+            <a:extLst>
+              <a:ext uri="{FF2B5EF4-FFF2-40B4-BE49-F238E27FC236}">
+                <a16:creationId xmlns:a16="http://schemas.microsoft.com/office/drawing/2014/main" id="{063C20FC-94CB-122F-8AEB-FFB99851BBA7}"/>
+              </a:ext>
+            </a:extLst>
+          </p:cNvPr>
+          <p:cNvCxnSpPr>
+            <a:cxnSpLocks/>
+            <a:stCxn id="7" idx="3"/>
+            <a:endCxn id="20" idx="7"/>
+          </p:cNvCxnSpPr>
+          <p:nvPr/>
+        </p:nvCxnSpPr>
+        <p:spPr>
+          <a:xfrm flipH="1">
+            <a:off x="5646256" y="3276061"/>
+            <a:ext cx="526836" cy="174750"/>
+          </a:xfrm>
+          <a:prstGeom prst="line">
+            <a:avLst/>
+          </a:prstGeom>
+        </p:spPr>
+        <p:style>
+          <a:lnRef idx="1">
+            <a:schemeClr val="accent1"/>
+          </a:lnRef>
+          <a:fillRef idx="0">
+            <a:schemeClr val="accent1"/>
+          </a:fillRef>
+          <a:effectRef idx="0">
+            <a:schemeClr val="accent1"/>
+          </a:effectRef>
+          <a:fontRef idx="minor">
+            <a:schemeClr val="tx1"/>
+          </a:fontRef>
+        </p:style>
+      </p:cxnSp>
+      <p:sp>
+        <p:nvSpPr>
+          <p:cNvPr id="23" name="TextBox 22">
+            <a:extLst>
+              <a:ext uri="{FF2B5EF4-FFF2-40B4-BE49-F238E27FC236}">
+                <a16:creationId xmlns:a16="http://schemas.microsoft.com/office/drawing/2014/main" id="{390A1EDC-D4E6-3D9D-956F-3107FC33650C}"/>
+              </a:ext>
+            </a:extLst>
+          </p:cNvPr>
+          <p:cNvSpPr txBox="1"/>
+          <p:nvPr/>
+        </p:nvSpPr>
+        <p:spPr>
+          <a:xfrm>
+            <a:off x="4951904" y="3838734"/>
+            <a:ext cx="1148458" cy="369332"/>
+          </a:xfrm>
+          <a:prstGeom prst="rect">
+            <a:avLst/>
+          </a:prstGeom>
+          <a:noFill/>
+        </p:spPr>
+        <p:txBody>
+          <a:bodyPr wrap="square" rtlCol="0">
+            <a:spAutoFit/>
+          </a:bodyPr>
+          <a:lstStyle/>
+          <a:p>
+            <a:pPr algn="ctr"/>
+            <a:r>
+              <a:rPr lang="en-US" i="1" dirty="0"/>
+              <a:t>g = 1</a:t>
+            </a:r>
+          </a:p>
+        </p:txBody>
+      </p:sp>
+      <p:sp>
+        <p:nvSpPr>
+          <p:cNvPr id="24" name="TextBox 23">
+            <a:extLst>
+              <a:ext uri="{FF2B5EF4-FFF2-40B4-BE49-F238E27FC236}">
+                <a16:creationId xmlns:a16="http://schemas.microsoft.com/office/drawing/2014/main" id="{84A32618-D62A-8300-96C0-28D09BBBFE64}"/>
+              </a:ext>
+            </a:extLst>
+          </p:cNvPr>
+          <p:cNvSpPr txBox="1"/>
+          <p:nvPr/>
+        </p:nvSpPr>
+        <p:spPr>
+          <a:xfrm>
+            <a:off x="5430538" y="2422850"/>
+            <a:ext cx="1148458" cy="369332"/>
+          </a:xfrm>
+          <a:prstGeom prst="rect">
+            <a:avLst/>
+          </a:prstGeom>
+          <a:noFill/>
+        </p:spPr>
+        <p:txBody>
+          <a:bodyPr wrap="square" rtlCol="0">
+            <a:spAutoFit/>
+          </a:bodyPr>
+          <a:lstStyle/>
+          <a:p>
+            <a:r>
+              <a:rPr lang="en-US" i="1" dirty="0"/>
+              <a:t>g + h = 7</a:t>
+            </a:r>
+          </a:p>
+        </p:txBody>
+      </p:sp>
     </p:spTree>
     <p:extLst>
       <p:ext uri="{BB962C8B-B14F-4D97-AF65-F5344CB8AC3E}">
@@ -18828,7 +19453,7 @@
                             </p:stCondLst>
                             <p:childTnLst>
                               <p:par>
-                                <p:cTn id="25" presetID="14" presetClass="entr" presetSubtype="10" fill="hold" nodeType="clickEffect">
+                                <p:cTn id="25" presetID="10" presetClass="entr" presetSubtype="0" fill="hold" grpId="0" nodeType="clickEffect">
                                   <p:stCondLst>
                                     <p:cond delay="0"/>
                                   </p:stCondLst>
@@ -18836,6 +19461,191 @@
                                     <p:set>
                                       <p:cBhvr>
                                         <p:cTn id="26" dur="1" fill="hold">
+                                          <p:stCondLst>
+                                            <p:cond delay="0"/>
+                                          </p:stCondLst>
+                                        </p:cTn>
+                                        <p:tgtEl>
+                                          <p:spTgt spid="20"/>
+                                        </p:tgtEl>
+                                        <p:attrNameLst>
+                                          <p:attrName>style.visibility</p:attrName>
+                                        </p:attrNameLst>
+                                      </p:cBhvr>
+                                      <p:to>
+                                        <p:strVal val="visible"/>
+                                      </p:to>
+                                    </p:set>
+                                    <p:animEffect transition="in" filter="fade">
+                                      <p:cBhvr>
+                                        <p:cTn id="27" dur="500"/>
+                                        <p:tgtEl>
+                                          <p:spTgt spid="20"/>
+                                        </p:tgtEl>
+                                      </p:cBhvr>
+                                    </p:animEffect>
+                                  </p:childTnLst>
+                                </p:cTn>
+                              </p:par>
+                              <p:par>
+                                <p:cTn id="28" presetID="10" presetClass="entr" presetSubtype="0" fill="hold" nodeType="withEffect">
+                                  <p:stCondLst>
+                                    <p:cond delay="0"/>
+                                  </p:stCondLst>
+                                  <p:childTnLst>
+                                    <p:set>
+                                      <p:cBhvr>
+                                        <p:cTn id="29" dur="1" fill="hold">
+                                          <p:stCondLst>
+                                            <p:cond delay="0"/>
+                                          </p:stCondLst>
+                                        </p:cTn>
+                                        <p:tgtEl>
+                                          <p:spTgt spid="22"/>
+                                        </p:tgtEl>
+                                        <p:attrNameLst>
+                                          <p:attrName>style.visibility</p:attrName>
+                                        </p:attrNameLst>
+                                      </p:cBhvr>
+                                      <p:to>
+                                        <p:strVal val="visible"/>
+                                      </p:to>
+                                    </p:set>
+                                    <p:animEffect transition="in" filter="fade">
+                                      <p:cBhvr>
+                                        <p:cTn id="30" dur="500"/>
+                                        <p:tgtEl>
+                                          <p:spTgt spid="22"/>
+                                        </p:tgtEl>
+                                      </p:cBhvr>
+                                    </p:animEffect>
+                                  </p:childTnLst>
+                                </p:cTn>
+                              </p:par>
+                              <p:par>
+                                <p:cTn id="31" presetID="10" presetClass="entr" presetSubtype="0" fill="hold" grpId="0" nodeType="withEffect">
+                                  <p:stCondLst>
+                                    <p:cond delay="0"/>
+                                  </p:stCondLst>
+                                  <p:childTnLst>
+                                    <p:set>
+                                      <p:cBhvr>
+                                        <p:cTn id="32" dur="1" fill="hold">
+                                          <p:stCondLst>
+                                            <p:cond delay="0"/>
+                                          </p:stCondLst>
+                                        </p:cTn>
+                                        <p:tgtEl>
+                                          <p:spTgt spid="23"/>
+                                        </p:tgtEl>
+                                        <p:attrNameLst>
+                                          <p:attrName>style.visibility</p:attrName>
+                                        </p:attrNameLst>
+                                      </p:cBhvr>
+                                      <p:to>
+                                        <p:strVal val="visible"/>
+                                      </p:to>
+                                    </p:set>
+                                    <p:animEffect transition="in" filter="fade">
+                                      <p:cBhvr>
+                                        <p:cTn id="33" dur="500"/>
+                                        <p:tgtEl>
+                                          <p:spTgt spid="23"/>
+                                        </p:tgtEl>
+                                      </p:cBhvr>
+                                    </p:animEffect>
+                                  </p:childTnLst>
+                                </p:cTn>
+                              </p:par>
+                              <p:par>
+                                <p:cTn id="34" presetID="22" presetClass="entr" presetSubtype="4" fill="hold" grpId="0" nodeType="withEffect">
+                                  <p:stCondLst>
+                                    <p:cond delay="0"/>
+                                  </p:stCondLst>
+                                  <p:childTnLst>
+                                    <p:set>
+                                      <p:cBhvr>
+                                        <p:cTn id="35" dur="1" fill="hold">
+                                          <p:stCondLst>
+                                            <p:cond delay="0"/>
+                                          </p:stCondLst>
+                                        </p:cTn>
+                                        <p:tgtEl>
+                                          <p:spTgt spid="24"/>
+                                        </p:tgtEl>
+                                        <p:attrNameLst>
+                                          <p:attrName>style.visibility</p:attrName>
+                                        </p:attrNameLst>
+                                      </p:cBhvr>
+                                      <p:to>
+                                        <p:strVal val="visible"/>
+                                      </p:to>
+                                    </p:set>
+                                    <p:animEffect transition="in" filter="wipe(down)">
+                                      <p:cBhvr>
+                                        <p:cTn id="36" dur="500"/>
+                                        <p:tgtEl>
+                                          <p:spTgt spid="24"/>
+                                        </p:tgtEl>
+                                      </p:cBhvr>
+                                    </p:animEffect>
+                                  </p:childTnLst>
+                                </p:cTn>
+                              </p:par>
+                              <p:par>
+                                <p:cTn id="37" presetID="1" presetClass="exit" presetSubtype="0" fill="hold" grpId="2" nodeType="withEffect">
+                                  <p:stCondLst>
+                                    <p:cond delay="0"/>
+                                  </p:stCondLst>
+                                  <p:childTnLst>
+                                    <p:set>
+                                      <p:cBhvr>
+                                        <p:cTn id="38" dur="1" fill="hold">
+                                          <p:stCondLst>
+                                            <p:cond delay="0"/>
+                                          </p:stCondLst>
+                                        </p:cTn>
+                                        <p:tgtEl>
+                                          <p:spTgt spid="16"/>
+                                        </p:tgtEl>
+                                        <p:attrNameLst>
+                                          <p:attrName>style.visibility</p:attrName>
+                                        </p:attrNameLst>
+                                      </p:cBhvr>
+                                      <p:to>
+                                        <p:strVal val="hidden"/>
+                                      </p:to>
+                                    </p:set>
+                                  </p:childTnLst>
+                                </p:cTn>
+                              </p:par>
+                            </p:childTnLst>
+                          </p:cTn>
+                        </p:par>
+                      </p:childTnLst>
+                    </p:cTn>
+                  </p:par>
+                  <p:par>
+                    <p:cTn id="39" fill="hold">
+                      <p:stCondLst>
+                        <p:cond delay="indefinite"/>
+                      </p:stCondLst>
+                      <p:childTnLst>
+                        <p:par>
+                          <p:cTn id="40" fill="hold">
+                            <p:stCondLst>
+                              <p:cond delay="0"/>
+                            </p:stCondLst>
+                            <p:childTnLst>
+                              <p:par>
+                                <p:cTn id="41" presetID="14" presetClass="entr" presetSubtype="10" fill="hold" nodeType="clickEffect">
+                                  <p:stCondLst>
+                                    <p:cond delay="0"/>
+                                  </p:stCondLst>
+                                  <p:childTnLst>
+                                    <p:set>
+                                      <p:cBhvr>
+                                        <p:cTn id="42" dur="1" fill="hold">
                                           <p:stCondLst>
                                             <p:cond delay="0"/>
                                           </p:stCondLst>
@@ -18857,7 +19667,7 @@
                                     </p:set>
                                     <p:animEffect transition="in" filter="randombar(horizontal)">
                                       <p:cBhvr>
-                                        <p:cTn id="27" dur="500"/>
+                                        <p:cTn id="43" dur="500"/>
                                         <p:tgtEl>
                                           <p:spTgt spid="18">
                                             <p:txEl>
@@ -18871,14 +19681,14 @@
                                 </p:cTn>
                               </p:par>
                               <p:par>
-                                <p:cTn id="28" presetID="42" presetClass="path" presetSubtype="0" accel="50000" decel="50000" fill="hold" grpId="1" nodeType="withEffect">
+                                <p:cTn id="44" presetID="42" presetClass="path" presetSubtype="0" accel="50000" decel="50000" fill="hold" grpId="1" nodeType="withEffect">
                                   <p:stCondLst>
                                     <p:cond delay="0"/>
                                   </p:stCondLst>
                                   <p:childTnLst>
                                     <p:animMotion origin="layout" path="M 0 0 L 0 0.25 E" pathEditMode="relative" ptsTypes="">
                                       <p:cBhvr>
-                                        <p:cTn id="29" dur="2000" fill="hold"/>
+                                        <p:cTn id="45" dur="2000" fill="hold"/>
                                         <p:tgtEl>
                                           <p:spTgt spid="16"/>
                                         </p:tgtEl>
@@ -18892,14 +19702,14 @@
                                 </p:cTn>
                               </p:par>
                               <p:par>
-                                <p:cTn id="30" presetID="42" presetClass="path" presetSubtype="0" accel="50000" decel="50000" fill="hold" grpId="1" nodeType="withEffect">
+                                <p:cTn id="46" presetID="42" presetClass="path" presetSubtype="0" accel="50000" decel="50000" fill="hold" grpId="1" nodeType="withEffect">
                                   <p:stCondLst>
                                     <p:cond delay="0"/>
                                   </p:stCondLst>
                                   <p:childTnLst>
                                     <p:animMotion origin="layout" path="M 0 0 L 0 0.25 E" pathEditMode="relative" ptsTypes="">
                                       <p:cBhvr>
-                                        <p:cTn id="31" dur="2000" fill="hold"/>
+                                        <p:cTn id="47" dur="2000" fill="hold"/>
                                         <p:tgtEl>
                                           <p:spTgt spid="19"/>
                                         </p:tgtEl>
@@ -18913,14 +19723,14 @@
                                 </p:cTn>
                               </p:par>
                               <p:par>
-                                <p:cTn id="32" presetID="42" presetClass="path" presetSubtype="0" accel="50000" decel="50000" fill="hold" grpId="1" nodeType="withEffect">
+                                <p:cTn id="48" presetID="42" presetClass="path" presetSubtype="0" accel="50000" decel="50000" fill="hold" grpId="1" nodeType="withEffect">
                                   <p:stCondLst>
                                     <p:cond delay="0"/>
                                   </p:stCondLst>
                                   <p:childTnLst>
                                     <p:animMotion origin="layout" path="M 0 0 L 0 0.25 E" pathEditMode="relative" ptsTypes="">
                                       <p:cBhvr>
-                                        <p:cTn id="33" dur="2000" fill="hold"/>
+                                        <p:cTn id="49" dur="2000" fill="hold"/>
                                         <p:tgtEl>
                                           <p:spTgt spid="15"/>
                                         </p:tgtEl>
@@ -18934,14 +19744,14 @@
                                 </p:cTn>
                               </p:par>
                               <p:par>
-                                <p:cTn id="34" presetID="42" presetClass="path" presetSubtype="0" accel="50000" decel="50000" fill="hold" grpId="1" nodeType="withEffect">
+                                <p:cTn id="50" presetID="42" presetClass="path" presetSubtype="0" accel="50000" decel="50000" fill="hold" grpId="1" nodeType="withEffect">
                                   <p:stCondLst>
                                     <p:cond delay="0"/>
                                   </p:stCondLst>
                                   <p:childTnLst>
                                     <p:animMotion origin="layout" path="M 0 0 L 0 0.25 E" pathEditMode="relative" ptsTypes="">
                                       <p:cBhvr>
-                                        <p:cTn id="35" dur="2000" fill="hold"/>
+                                        <p:cTn id="51" dur="2000" fill="hold"/>
                                         <p:tgtEl>
                                           <p:spTgt spid="17"/>
                                         </p:tgtEl>
@@ -18955,14 +19765,14 @@
                                 </p:cTn>
                               </p:par>
                               <p:par>
-                                <p:cTn id="36" presetID="42" presetClass="path" presetSubtype="0" accel="50000" decel="50000" fill="hold" grpId="0" nodeType="withEffect">
+                                <p:cTn id="52" presetID="42" presetClass="path" presetSubtype="0" accel="50000" decel="50000" fill="hold" grpId="0" nodeType="withEffect">
                                   <p:stCondLst>
                                     <p:cond delay="0"/>
                                   </p:stCondLst>
                                   <p:childTnLst>
                                     <p:animMotion origin="layout" path="M 0 0 L 0 0.25 E" pathEditMode="relative" ptsTypes="">
                                       <p:cBhvr>
-                                        <p:cTn id="37" dur="2000" fill="hold"/>
+                                        <p:cTn id="53" dur="2000" fill="hold"/>
                                         <p:tgtEl>
                                           <p:spTgt spid="6"/>
                                         </p:tgtEl>
@@ -18976,14 +19786,14 @@
                                 </p:cTn>
                               </p:par>
                               <p:par>
-                                <p:cTn id="38" presetID="42" presetClass="path" presetSubtype="0" accel="50000" decel="50000" fill="hold" grpId="0" nodeType="withEffect">
+                                <p:cTn id="54" presetID="42" presetClass="path" presetSubtype="0" accel="50000" decel="50000" fill="hold" grpId="0" nodeType="withEffect">
                                   <p:stCondLst>
                                     <p:cond delay="0"/>
                                   </p:stCondLst>
                                   <p:childTnLst>
                                     <p:animMotion origin="layout" path="M 0 0 L 0 0.25 E" pathEditMode="relative" ptsTypes="">
                                       <p:cBhvr>
-                                        <p:cTn id="39" dur="2000" fill="hold"/>
+                                        <p:cTn id="55" dur="2000" fill="hold"/>
                                         <p:tgtEl>
                                           <p:spTgt spid="7"/>
                                         </p:tgtEl>
@@ -18997,14 +19807,14 @@
                                 </p:cTn>
                               </p:par>
                               <p:par>
-                                <p:cTn id="40" presetID="42" presetClass="path" presetSubtype="0" accel="50000" decel="50000" fill="hold" grpId="0" nodeType="withEffect">
+                                <p:cTn id="56" presetID="42" presetClass="path" presetSubtype="0" accel="50000" decel="50000" fill="hold" grpId="0" nodeType="withEffect">
                                   <p:stCondLst>
                                     <p:cond delay="0"/>
                                   </p:stCondLst>
                                   <p:childTnLst>
                                     <p:animMotion origin="layout" path="M 0 0 L 0 0.25 E" pathEditMode="relative" ptsTypes="">
                                       <p:cBhvr>
-                                        <p:cTn id="41" dur="2000" fill="hold"/>
+                                        <p:cTn id="57" dur="2000" fill="hold"/>
                                         <p:tgtEl>
                                           <p:spTgt spid="8"/>
                                         </p:tgtEl>
@@ -19018,14 +19828,14 @@
                                 </p:cTn>
                               </p:par>
                               <p:par>
-                                <p:cTn id="42" presetID="42" presetClass="path" presetSubtype="0" accel="50000" decel="50000" fill="hold" grpId="0" nodeType="withEffect">
+                                <p:cTn id="58" presetID="42" presetClass="path" presetSubtype="0" accel="50000" decel="50000" fill="hold" grpId="0" nodeType="withEffect">
                                   <p:stCondLst>
                                     <p:cond delay="0"/>
                                   </p:stCondLst>
                                   <p:childTnLst>
                                     <p:animMotion origin="layout" path="M 0 0 L 0 0.25 E" pathEditMode="relative" ptsTypes="">
                                       <p:cBhvr>
-                                        <p:cTn id="43" dur="2000" fill="hold"/>
+                                        <p:cTn id="59" dur="2000" fill="hold"/>
                                         <p:tgtEl>
                                           <p:spTgt spid="10"/>
                                         </p:tgtEl>
@@ -19039,14 +19849,14 @@
                                 </p:cTn>
                               </p:par>
                               <p:par>
-                                <p:cTn id="44" presetID="42" presetClass="path" presetSubtype="0" accel="50000" decel="50000" fill="hold" nodeType="withEffect">
+                                <p:cTn id="60" presetID="42" presetClass="path" presetSubtype="0" accel="50000" decel="50000" fill="hold" nodeType="withEffect">
                                   <p:stCondLst>
                                     <p:cond delay="0"/>
                                   </p:stCondLst>
                                   <p:childTnLst>
                                     <p:animMotion origin="layout" path="M 0 0 L 0 0.25 E" pathEditMode="relative" ptsTypes="">
                                       <p:cBhvr>
-                                        <p:cTn id="45" dur="2000" fill="hold"/>
+                                        <p:cTn id="61" dur="2000" fill="hold"/>
                                         <p:tgtEl>
                                           <p:spTgt spid="12"/>
                                         </p:tgtEl>
@@ -19060,14 +19870,14 @@
                                 </p:cTn>
                               </p:par>
                               <p:par>
-                                <p:cTn id="46" presetID="42" presetClass="path" presetSubtype="0" accel="50000" decel="50000" fill="hold" nodeType="withEffect">
+                                <p:cTn id="62" presetID="42" presetClass="path" presetSubtype="0" accel="50000" decel="50000" fill="hold" nodeType="withEffect">
                                   <p:stCondLst>
                                     <p:cond delay="0"/>
                                   </p:stCondLst>
                                   <p:childTnLst>
                                     <p:animMotion origin="layout" path="M 0 0 L 0 0.25 E" pathEditMode="relative" ptsTypes="">
                                       <p:cBhvr>
-                                        <p:cTn id="47" dur="2000" fill="hold"/>
+                                        <p:cTn id="63" dur="2000" fill="hold"/>
                                         <p:tgtEl>
                                           <p:spTgt spid="13"/>
                                         </p:tgtEl>
@@ -19081,14 +19891,14 @@
                                 </p:cTn>
                               </p:par>
                               <p:par>
-                                <p:cTn id="48" presetID="42" presetClass="path" presetSubtype="0" accel="50000" decel="50000" fill="hold" nodeType="withEffect">
+                                <p:cTn id="64" presetID="42" presetClass="path" presetSubtype="0" accel="50000" decel="50000" fill="hold" nodeType="withEffect">
                                   <p:stCondLst>
                                     <p:cond delay="0"/>
                                   </p:stCondLst>
                                   <p:childTnLst>
                                     <p:animMotion origin="layout" path="M 0 0 L 0 0.25 E" pathEditMode="relative" ptsTypes="">
                                       <p:cBhvr>
-                                        <p:cTn id="49" dur="2000" fill="hold"/>
+                                        <p:cTn id="65" dur="2000" fill="hold"/>
                                         <p:tgtEl>
                                           <p:spTgt spid="14"/>
                                         </p:tgtEl>
@@ -19102,14 +19912,14 @@
                                 </p:cTn>
                               </p:par>
                               <p:par>
-                                <p:cTn id="50" presetID="21" presetClass="entr" presetSubtype="1" fill="hold" nodeType="withEffect">
+                                <p:cTn id="66" presetID="21" presetClass="entr" presetSubtype="1" fill="hold" nodeType="withEffect">
                                   <p:stCondLst>
                                     <p:cond delay="0"/>
                                   </p:stCondLst>
                                   <p:childTnLst>
                                     <p:set>
                                       <p:cBhvr>
-                                        <p:cTn id="51" dur="1" fill="hold">
+                                        <p:cTn id="67" dur="1" fill="hold">
                                           <p:stCondLst>
                                             <p:cond delay="0"/>
                                           </p:stCondLst>
@@ -19127,12 +19937,97 @@
                                     </p:set>
                                     <p:animEffect transition="in" filter="wheel(1)">
                                       <p:cBhvr>
-                                        <p:cTn id="52" dur="2000"/>
+                                        <p:cTn id="68" dur="2000"/>
                                         <p:tgtEl>
                                           <p:spTgt spid="21"/>
                                         </p:tgtEl>
                                       </p:cBhvr>
                                     </p:animEffect>
+                                  </p:childTnLst>
+                                </p:cTn>
+                              </p:par>
+                              <p:par>
+                                <p:cTn id="69" presetID="42" presetClass="path" presetSubtype="0" accel="50000" decel="50000" fill="hold" grpId="1" nodeType="withEffect">
+                                  <p:stCondLst>
+                                    <p:cond delay="0"/>
+                                  </p:stCondLst>
+                                  <p:childTnLst>
+                                    <p:animMotion origin="layout" path="M 2.77778E-6 -2.59259E-6 L 2.77778E-6 0.25 " pathEditMode="relative" rAng="0" ptsTypes="AA">
+                                      <p:cBhvr>
+                                        <p:cTn id="70" dur="2000" fill="hold"/>
+                                        <p:tgtEl>
+                                          <p:spTgt spid="24"/>
+                                        </p:tgtEl>
+                                        <p:attrNameLst>
+                                          <p:attrName>ppt_x</p:attrName>
+                                          <p:attrName>ppt_y</p:attrName>
+                                        </p:attrNameLst>
+                                      </p:cBhvr>
+                                      <p:rCtr x="0" y="12500"/>
+                                    </p:animMotion>
+                                  </p:childTnLst>
+                                </p:cTn>
+                              </p:par>
+                              <p:par>
+                                <p:cTn id="71" presetID="42" presetClass="path" presetSubtype="0" accel="50000" decel="50000" fill="hold" grpId="1" nodeType="withEffect">
+                                  <p:stCondLst>
+                                    <p:cond delay="0"/>
+                                  </p:stCondLst>
+                                  <p:childTnLst>
+                                    <p:animMotion origin="layout" path="M 0 0 L 0 0.25 E" pathEditMode="relative" ptsTypes="">
+                                      <p:cBhvr>
+                                        <p:cTn id="72" dur="2000" fill="hold"/>
+                                        <p:tgtEl>
+                                          <p:spTgt spid="20"/>
+                                        </p:tgtEl>
+                                        <p:attrNameLst>
+                                          <p:attrName>ppt_x</p:attrName>
+                                          <p:attrName>ppt_y</p:attrName>
+                                        </p:attrNameLst>
+                                      </p:cBhvr>
+                                    </p:animMotion>
+                                  </p:childTnLst>
+                                </p:cTn>
+                              </p:par>
+                              <p:par>
+                                <p:cTn id="73" presetID="42" presetClass="path" presetSubtype="0" accel="50000" decel="50000" fill="hold" nodeType="withEffect">
+                                  <p:stCondLst>
+                                    <p:cond delay="0"/>
+                                  </p:stCondLst>
+                                  <p:childTnLst>
+                                    <p:animMotion origin="layout" path="M 0 0 L 0 0.25 E" pathEditMode="relative" ptsTypes="">
+                                      <p:cBhvr>
+                                        <p:cTn id="74" dur="2000" fill="hold"/>
+                                        <p:tgtEl>
+                                          <p:spTgt spid="22"/>
+                                        </p:tgtEl>
+                                        <p:attrNameLst>
+                                          <p:attrName>ppt_x</p:attrName>
+                                          <p:attrName>ppt_y</p:attrName>
+                                        </p:attrNameLst>
+                                      </p:cBhvr>
+                                    </p:animMotion>
+                                  </p:childTnLst>
+                                </p:cTn>
+                              </p:par>
+                              <p:par>
+                                <p:cTn id="75" presetID="42" presetClass="path" presetSubtype="0" accel="50000" decel="50000" fill="hold" grpId="1" nodeType="withEffect">
+                                  <p:stCondLst>
+                                    <p:cond delay="0"/>
+                                  </p:stCondLst>
+                                  <p:childTnLst>
+                                    <p:animMotion origin="layout" path="M 0 0 L 0 0.25 E" pathEditMode="relative" ptsTypes="">
+                                      <p:cBhvr>
+                                        <p:cTn id="76" dur="2000" fill="hold"/>
+                                        <p:tgtEl>
+                                          <p:spTgt spid="23"/>
+                                        </p:tgtEl>
+                                        <p:attrNameLst>
+                                          <p:attrName>ppt_x</p:attrName>
+                                          <p:attrName>ppt_y</p:attrName>
+                                        </p:attrNameLst>
+                                      </p:cBhvr>
+                                    </p:animMotion>
                                   </p:childTnLst>
                                 </p:cTn>
                               </p:par>
@@ -19143,26 +20038,26 @@
                     </p:cTn>
                   </p:par>
                   <p:par>
-                    <p:cTn id="53" fill="hold">
+                    <p:cTn id="77" fill="hold">
                       <p:stCondLst>
                         <p:cond delay="indefinite"/>
                       </p:stCondLst>
                       <p:childTnLst>
                         <p:par>
-                          <p:cTn id="54" fill="hold">
+                          <p:cTn id="78" fill="hold">
                             <p:stCondLst>
                               <p:cond delay="0"/>
                             </p:stCondLst>
                             <p:childTnLst>
                               <p:par>
-                                <p:cTn id="55" presetID="14" presetClass="entr" presetSubtype="10" fill="hold" nodeType="clickEffect">
+                                <p:cTn id="79" presetID="14" presetClass="entr" presetSubtype="10" fill="hold" nodeType="clickEffect">
                                   <p:stCondLst>
                                     <p:cond delay="0"/>
                                   </p:stCondLst>
                                   <p:childTnLst>
                                     <p:set>
                                       <p:cBhvr>
-                                        <p:cTn id="56" dur="1" fill="hold">
+                                        <p:cTn id="80" dur="1" fill="hold">
                                           <p:stCondLst>
                                             <p:cond delay="0"/>
                                           </p:stCondLst>
@@ -19184,7 +20079,7 @@
                                     </p:set>
                                     <p:animEffect transition="in" filter="randombar(horizontal)">
                                       <p:cBhvr>
-                                        <p:cTn id="57" dur="500"/>
+                                        <p:cTn id="81" dur="500"/>
                                         <p:tgtEl>
                                           <p:spTgt spid="18">
                                             <p:txEl>
@@ -19233,10 +20128,17 @@
       <p:bldP spid="15" grpId="1"/>
       <p:bldP spid="16" grpId="0"/>
       <p:bldP spid="16" grpId="1"/>
+      <p:bldP spid="16" grpId="2"/>
       <p:bldP spid="17" grpId="0"/>
       <p:bldP spid="17" grpId="1"/>
       <p:bldP spid="19" grpId="0"/>
       <p:bldP spid="19" grpId="1"/>
+      <p:bldP spid="20" grpId="0" animBg="1"/>
+      <p:bldP spid="20" grpId="1" animBg="1"/>
+      <p:bldP spid="23" grpId="0"/>
+      <p:bldP spid="23" grpId="1"/>
+      <p:bldP spid="24" grpId="0"/>
+      <p:bldP spid="24" grpId="1"/>
     </p:bldLst>
   </p:timing>
 </p:sld>
@@ -30317,6 +31219,251 @@
           <p:cNvPr id="2" name="Slide Number Placeholder 1">
             <a:extLst>
               <a:ext uri="{FF2B5EF4-FFF2-40B4-BE49-F238E27FC236}">
+                <a16:creationId xmlns:a16="http://schemas.microsoft.com/office/drawing/2014/main" id="{A7101F79-2CBF-4392-B538-B0B5700DB4C6}"/>
+              </a:ext>
+            </a:extLst>
+          </p:cNvPr>
+          <p:cNvSpPr>
+            <a:spLocks noGrp="1"/>
+          </p:cNvSpPr>
+          <p:nvPr>
+            <p:ph type="sldNum" sz="quarter" idx="12"/>
+          </p:nvPr>
+        </p:nvSpPr>
+        <p:spPr/>
+        <p:txBody>
+          <a:bodyPr/>
+          <a:lstStyle/>
+          <a:p>
+            <a:fld id="{9EA0BE3B-158A-4EDF-80DC-E394A0D1600F}" type="slidenum">
+              <a:rPr lang="en-US" smtClean="0"/>
+              <a:pPr/>
+              <a:t>37</a:t>
+            </a:fld>
+            <a:endParaRPr lang="en-US" dirty="0"/>
+          </a:p>
+        </p:txBody>
+      </p:sp>
+      <p:sp>
+        <p:nvSpPr>
+          <p:cNvPr id="3" name="Title 2">
+            <a:extLst>
+              <a:ext uri="{FF2B5EF4-FFF2-40B4-BE49-F238E27FC236}">
+                <a16:creationId xmlns:a16="http://schemas.microsoft.com/office/drawing/2014/main" id="{9EF27CAA-32BA-4E6B-B8C0-1A481E08E81D}"/>
+              </a:ext>
+            </a:extLst>
+          </p:cNvPr>
+          <p:cNvSpPr>
+            <a:spLocks noGrp="1"/>
+          </p:cNvSpPr>
+          <p:nvPr>
+            <p:ph type="title"/>
+          </p:nvPr>
+        </p:nvSpPr>
+        <p:spPr/>
+        <p:txBody>
+          <a:bodyPr/>
+          <a:lstStyle/>
+          <a:p>
+            <a:r>
+              <a:rPr lang="en-US">
+                <a:latin typeface="+mj-lt"/>
+              </a:rPr>
+              <a:t>Kết luận</a:t>
+            </a:r>
+            <a:endParaRPr lang="en-US" dirty="0">
+              <a:latin typeface="+mj-lt"/>
+            </a:endParaRPr>
+          </a:p>
+        </p:txBody>
+      </p:sp>
+      <p:sp>
+        <p:nvSpPr>
+          <p:cNvPr id="4" name="TextBox 3">
+            <a:extLst>
+              <a:ext uri="{FF2B5EF4-FFF2-40B4-BE49-F238E27FC236}">
+                <a16:creationId xmlns:a16="http://schemas.microsoft.com/office/drawing/2014/main" id="{105D211B-080C-23F6-A274-CC1C74EA2534}"/>
+              </a:ext>
+            </a:extLst>
+          </p:cNvPr>
+          <p:cNvSpPr txBox="1"/>
+          <p:nvPr/>
+        </p:nvSpPr>
+        <p:spPr>
+          <a:xfrm>
+            <a:off x="235076" y="889843"/>
+            <a:ext cx="8908923" cy="4801314"/>
+          </a:xfrm>
+          <a:prstGeom prst="rect">
+            <a:avLst/>
+          </a:prstGeom>
+          <a:noFill/>
+        </p:spPr>
+        <p:txBody>
+          <a:bodyPr wrap="square" rtlCol="0">
+            <a:spAutoFit/>
+          </a:bodyPr>
+          <a:lstStyle/>
+          <a:p>
+            <a:r>
+              <a:rPr lang="vi-VN" b="1" dirty="0"/>
+              <a:t>Trong quá trình làm bài tập lớn, nhóm đã thực hiện được các công việc sau:</a:t>
+            </a:r>
+            <a:endParaRPr lang="en-US" b="1" dirty="0"/>
+          </a:p>
+          <a:p>
+            <a:endParaRPr lang="vi-VN" dirty="0"/>
+          </a:p>
+          <a:p>
+            <a:r>
+              <a:rPr lang="vi-VN" dirty="0"/>
+              <a:t>• Tìm hiểu bài toán N-</a:t>
+            </a:r>
+            <a:r>
+              <a:rPr lang="vi-VN" dirty="0" err="1"/>
+              <a:t>puzzle</a:t>
+            </a:r>
+            <a:r>
+              <a:rPr lang="vi-VN" dirty="0"/>
+              <a:t> và mô hình hóa dưới dạng bài toán tìm kiếm trên đồ thị.</a:t>
+            </a:r>
+            <a:endParaRPr lang="en-US" dirty="0"/>
+          </a:p>
+          <a:p>
+            <a:endParaRPr lang="vi-VN" dirty="0"/>
+          </a:p>
+          <a:p>
+            <a:r>
+              <a:rPr lang="vi-VN" dirty="0"/>
+              <a:t>• Tìm hiểu</a:t>
+            </a:r>
+            <a:r>
+              <a:rPr lang="en-US" dirty="0"/>
+              <a:t>, cài đặt và tìm cách tối ưu thời gian</a:t>
+            </a:r>
+            <a:r>
+              <a:rPr lang="vi-VN" dirty="0"/>
+              <a:t> </a:t>
+            </a:r>
+            <a:r>
+              <a:rPr lang="en-US" dirty="0"/>
+              <a:t>chạy các giải thuật đề xuất</a:t>
+            </a:r>
+            <a:r>
+              <a:rPr lang="vi-VN" dirty="0"/>
+              <a:t>.</a:t>
+            </a:r>
+            <a:endParaRPr lang="en-US" dirty="0"/>
+          </a:p>
+          <a:p>
+            <a:endParaRPr lang="vi-VN" dirty="0"/>
+          </a:p>
+          <a:p>
+            <a:r>
+              <a:rPr lang="vi-VN" dirty="0"/>
+              <a:t>• Xây dựng phần mềm để mô phỏng lời giải các thuật toán.</a:t>
+            </a:r>
+            <a:endParaRPr lang="en-US" dirty="0"/>
+          </a:p>
+          <a:p>
+            <a:endParaRPr lang="vi-VN" dirty="0"/>
+          </a:p>
+          <a:p>
+            <a:r>
+              <a:rPr lang="vi-VN" dirty="0"/>
+              <a:t>• Tiến hành các thực nghiệm để đo độ hiệu quả của các cách tiếp cận.</a:t>
+            </a:r>
+            <a:endParaRPr lang="en-US" dirty="0"/>
+          </a:p>
+          <a:p>
+            <a:endParaRPr lang="vi-VN" dirty="0"/>
+          </a:p>
+          <a:p>
+            <a:r>
+              <a:rPr lang="vi-VN" dirty="0"/>
+              <a:t>• Phân tích, bàn luận về các kết quả đạt được</a:t>
+            </a:r>
+            <a:r>
+              <a:rPr lang="en-US" dirty="0"/>
+              <a:t>.</a:t>
+            </a:r>
+          </a:p>
+          <a:p>
+            <a:endParaRPr lang="en-US" dirty="0"/>
+          </a:p>
+          <a:p>
+            <a:r>
+              <a:rPr lang="en-US" b="1" dirty="0"/>
+              <a:t>Hướng phát triển trong tương lai:</a:t>
+            </a:r>
+          </a:p>
+          <a:p>
+            <a:endParaRPr lang="en-US" dirty="0"/>
+          </a:p>
+          <a:p>
+            <a:pPr marL="285750" indent="-285750">
+              <a:buFont typeface="Arial" panose="020B0604020202020204" pitchFamily="34" charset="0"/>
+              <a:buChar char="•"/>
+            </a:pPr>
+            <a:r>
+              <a:rPr lang="en-US" dirty="0"/>
+              <a:t>Áp dụng IDA* và Recursive Best First Search để tiết kiệm thêm bộ nhớ.</a:t>
+            </a:r>
+          </a:p>
+          <a:p>
+            <a:pPr marL="285750" indent="-285750">
+              <a:buFont typeface="Arial" panose="020B0604020202020204" pitchFamily="34" charset="0"/>
+              <a:buChar char="•"/>
+            </a:pPr>
+            <a:endParaRPr lang="en-US" dirty="0"/>
+          </a:p>
+          <a:p>
+            <a:pPr marL="285750" indent="-285750">
+              <a:buFont typeface="Arial" panose="020B0604020202020204" pitchFamily="34" charset="0"/>
+              <a:buChar char="•"/>
+            </a:pPr>
+            <a:r>
+              <a:rPr lang="en-US" dirty="0"/>
+              <a:t>Tham số của Manhattan trọng số được thay đổi cho từng bài toán, thời điểm.</a:t>
+            </a:r>
+          </a:p>
+        </p:txBody>
+      </p:sp>
+    </p:spTree>
+    <p:extLst>
+      <p:ext uri="{BB962C8B-B14F-4D97-AF65-F5344CB8AC3E}">
+        <p14:creationId xmlns:p14="http://schemas.microsoft.com/office/powerpoint/2010/main" val="2979225930"/>
+      </p:ext>
+    </p:extLst>
+  </p:cSld>
+  <p:clrMapOvr>
+    <a:masterClrMapping/>
+  </p:clrMapOvr>
+</p:sld>
+</file>
+
+<file path=ppt/slides/slide38.xml><?xml version="1.0" encoding="utf-8"?>
+<p:sld xmlns:a="http://schemas.openxmlformats.org/drawingml/2006/main" xmlns:r="http://schemas.openxmlformats.org/officeDocument/2006/relationships" xmlns:p="http://schemas.openxmlformats.org/presentationml/2006/main">
+  <p:cSld>
+    <p:spTree>
+      <p:nvGrpSpPr>
+        <p:cNvPr id="1" name=""/>
+        <p:cNvGrpSpPr/>
+        <p:nvPr/>
+      </p:nvGrpSpPr>
+      <p:grpSpPr>
+        <a:xfrm>
+          <a:off x="0" y="0"/>
+          <a:ext cx="0" cy="0"/>
+          <a:chOff x="0" y="0"/>
+          <a:chExt cx="0" cy="0"/>
+        </a:xfrm>
+      </p:grpSpPr>
+      <p:sp>
+        <p:nvSpPr>
+          <p:cNvPr id="2" name="Slide Number Placeholder 1">
+            <a:extLst>
+              <a:ext uri="{FF2B5EF4-FFF2-40B4-BE49-F238E27FC236}">
                 <a16:creationId xmlns:a16="http://schemas.microsoft.com/office/drawing/2014/main" id="{DA37B5C8-2095-4D2D-97FE-E4E8D89379E1}"/>
               </a:ext>
             </a:extLst>
@@ -30336,7 +31483,7 @@
             <a:fld id="{9EA0BE3B-158A-4EDF-80DC-E394A0D1600F}" type="slidenum">
               <a:rPr lang="en-US" smtClean="0"/>
               <a:pPr/>
-              <a:t>37</a:t>
+              <a:t>38</a:t>
             </a:fld>
             <a:endParaRPr lang="en-US" dirty="0"/>
           </a:p>
